--- a/outputs/Final Deliverables.pptx
+++ b/outputs/Final Deliverables.pptx
@@ -113,6 +113,11 @@
       </a:defRPr>
     </a:lvl9pPr>
   </p:defaultTextStyle>
+  <p:extLst>
+    <p:ext uri="{EFAFB233-063F-42B5-8137-9DF3F51BA10A}">
+      <p15:sldGuideLst xmlns:p15="http://schemas.microsoft.com/office/powerpoint/2012/main"/>
+    </p:ext>
+  </p:extLst>
 </p:presentation>
 </file>
 
@@ -394,7 +399,7 @@
                   <a:cs typeface="+mn-cs"/>
                 </a:defRPr>
               </a:pPr>
-              <a:endParaRPr lang="en-US"/>
+              <a:endParaRPr lang="en-IN"/>
             </a:p>
           </c:txPr>
         </c:title>
@@ -1754,7 +1759,7 @@
       </c:spPr>
     </c:plotArea>
     <c:legend>
-      <c:legendPos val="b"/>
+      <c:legendPos val="r"/>
       <c:overlay val="0"/>
       <c:spPr>
         <a:noFill/>
@@ -11815,8 +11820,8 @@
         </p:nvSpPr>
         <p:spPr>
           <a:xfrm>
-            <a:off x="814387" y="1238890"/>
-            <a:ext cx="5352733" cy="2075183"/>
+            <a:off x="814388" y="1238890"/>
+            <a:ext cx="4961292" cy="2075183"/>
           </a:xfrm>
           <a:prstGeom prst="rect">
             <a:avLst/>
@@ -11857,7 +11862,7 @@
                 </a:solidFill>
                 <a:latin typeface="Roboto"/>
               </a:rPr>
-              <a:t>F</a:t>
+              <a:t>Fe</a:t>
             </a:r>
             <a:r>
               <a:rPr kumimoji="0" lang="en-GB" sz="1800" b="1" i="0" u="none" strike="noStrike" kern="0" cap="none" spc="0" normalizeH="0" baseline="0" noProof="0" dirty="0" err="1">
@@ -11872,7 +11877,7 @@
                 <a:uFillTx/>
                 <a:latin typeface="Roboto"/>
               </a:rPr>
-              <a:t>eature</a:t>
+              <a:t>ature</a:t>
             </a:r>
             <a:r>
               <a:rPr kumimoji="0" lang="en-GB" sz="1800" b="1" i="0" u="none" strike="noStrike" kern="0" cap="none" spc="0" normalizeH="0" baseline="0" noProof="0" dirty="0">
@@ -11939,14 +11944,14 @@
           <p:nvPr>
             <p:extLst>
               <p:ext uri="{D42A27DB-BD31-4B8C-83A1-F6EECF244321}">
-                <p14:modId xmlns:p14="http://schemas.microsoft.com/office/powerpoint/2010/main" val="1788393850"/>
+                <p14:modId xmlns:p14="http://schemas.microsoft.com/office/powerpoint/2010/main" val="1294359561"/>
               </p:ext>
             </p:extLst>
           </p:nvPr>
         </p:nvGraphicFramePr>
         <p:xfrm>
-          <a:off x="1001042" y="3429000"/>
-          <a:ext cx="4962878" cy="2731966"/>
+          <a:off x="1009314" y="3314073"/>
+          <a:ext cx="4766366" cy="2731966"/>
         </p:xfrm>
         <a:graphic>
           <a:graphicData uri="http://schemas.openxmlformats.org/drawingml/2006/chart">
@@ -11968,8 +11973,8 @@
         </p:nvSpPr>
         <p:spPr>
           <a:xfrm>
-            <a:off x="6416322" y="1238890"/>
-            <a:ext cx="4986810" cy="453102"/>
+            <a:off x="5923280" y="1238890"/>
+            <a:ext cx="5479852" cy="453102"/>
           </a:xfrm>
           <a:prstGeom prst="rect">
             <a:avLst/>
@@ -12037,14 +12042,14 @@
           <p:nvPr>
             <p:extLst>
               <p:ext uri="{D42A27DB-BD31-4B8C-83A1-F6EECF244321}">
-                <p14:modId xmlns:p14="http://schemas.microsoft.com/office/powerpoint/2010/main" val="91965547"/>
+                <p14:modId xmlns:p14="http://schemas.microsoft.com/office/powerpoint/2010/main" val="2542459766"/>
               </p:ext>
             </p:extLst>
           </p:nvPr>
         </p:nvGraphicFramePr>
         <p:xfrm>
-          <a:off x="6806764" y="1691992"/>
-          <a:ext cx="4205925" cy="3065308"/>
+          <a:off x="6404274" y="1710833"/>
+          <a:ext cx="4961292" cy="3065308"/>
         </p:xfrm>
         <a:graphic>
           <a:graphicData uri="http://schemas.openxmlformats.org/drawingml/2006/chart">
@@ -12067,13 +12072,13 @@
           <p:nvPr>
             <p:extLst>
               <p:ext uri="{D42A27DB-BD31-4B8C-83A1-F6EECF244321}">
-                <p14:modId xmlns:p14="http://schemas.microsoft.com/office/powerpoint/2010/main" val="2987694695"/>
+                <p14:modId xmlns:p14="http://schemas.microsoft.com/office/powerpoint/2010/main" val="3953421036"/>
               </p:ext>
             </p:extLst>
           </p:nvPr>
         </p:nvGraphicFramePr>
         <p:xfrm>
-          <a:off x="6741733" y="4794983"/>
+          <a:off x="6416322" y="4698360"/>
           <a:ext cx="4635500" cy="920750"/>
         </p:xfrm>
         <a:graphic>
@@ -12884,7 +12889,7 @@
                         <a:buNone/>
                       </a:pPr>
                       <a:r>
-                        <a:rPr lang="en-IN" sz="1100" b="0" i="0" u="none" strike="noStrike">
+                        <a:rPr lang="en-IN" sz="1100" b="0" i="0" u="none" strike="noStrike" dirty="0">
                           <a:solidFill>
                             <a:srgbClr val="000000"/>
                           </a:solidFill>
@@ -12971,8 +12976,8 @@
         </p:nvSpPr>
         <p:spPr>
           <a:xfrm>
-            <a:off x="6741733" y="5837800"/>
-            <a:ext cx="4851400" cy="646331"/>
+            <a:off x="6293454" y="5745467"/>
+            <a:ext cx="5479852" cy="830997"/>
           </a:xfrm>
           <a:prstGeom prst="rect">
             <a:avLst/>
@@ -12989,17 +12994,61 @@
               <a:defRPr/>
             </a:pPr>
             <a:r>
-              <a:rPr lang="en-GB" dirty="0">
+              <a:rPr lang="en-GB" sz="1600" dirty="0">
                 <a:solidFill>
                   <a:srgbClr val="222C39"/>
                 </a:solidFill>
                 <a:latin typeface="Roboto Light"/>
               </a:rPr>
-              <a:t>GPR was selected because of its ability to give uncertainties as well.</a:t>
+              <a:t>GPR was selected because of its ability to give uncertainties as well. It had 0.73 Rs (spearman correlation) for ranking candies.</a:t>
             </a:r>
           </a:p>
         </p:txBody>
       </p:sp>
+      <p:cxnSp>
+        <p:nvCxnSpPr>
+          <p:cNvPr id="3" name="Straight Connector 2">
+            <a:extLst>
+              <a:ext uri="{FF2B5EF4-FFF2-40B4-BE49-F238E27FC236}">
+                <a16:creationId xmlns:a16="http://schemas.microsoft.com/office/drawing/2014/main" id="{2332C279-0243-7C10-726C-0028A57C385A}"/>
+              </a:ext>
+            </a:extLst>
+          </p:cNvPr>
+          <p:cNvCxnSpPr>
+            <a:cxnSpLocks/>
+          </p:cNvCxnSpPr>
+          <p:nvPr/>
+        </p:nvCxnSpPr>
+        <p:spPr>
+          <a:xfrm flipV="1">
+            <a:off x="6969760" y="1901957"/>
+            <a:ext cx="3474720" cy="2283963"/>
+          </a:xfrm>
+          <a:prstGeom prst="line">
+            <a:avLst/>
+          </a:prstGeom>
+          <a:ln>
+            <a:solidFill>
+              <a:schemeClr val="tx1"/>
+            </a:solidFill>
+            <a:prstDash val="dashDot"/>
+          </a:ln>
+        </p:spPr>
+        <p:style>
+          <a:lnRef idx="1">
+            <a:schemeClr val="accent1"/>
+          </a:lnRef>
+          <a:fillRef idx="0">
+            <a:schemeClr val="accent1"/>
+          </a:fillRef>
+          <a:effectRef idx="0">
+            <a:schemeClr val="accent1"/>
+          </a:effectRef>
+          <a:fontRef idx="minor">
+            <a:schemeClr val="tx1"/>
+          </a:fontRef>
+        </p:style>
+      </p:cxnSp>
     </p:spTree>
     <p:extLst>
       <p:ext uri="{BB962C8B-B14F-4D97-AF65-F5344CB8AC3E}">
@@ -14607,8 +14656,8 @@
         </p:nvSpPr>
         <p:spPr>
           <a:xfrm>
-            <a:off x="950942" y="5305797"/>
-            <a:ext cx="10315634" cy="1200329"/>
+            <a:off x="814386" y="5305797"/>
+            <a:ext cx="10561771" cy="1077218"/>
           </a:xfrm>
           <a:prstGeom prst="rect">
             <a:avLst/>
@@ -14626,15 +14675,27 @@
               <a:buChar char="•"/>
             </a:pPr>
             <a:r>
-              <a:rPr lang="en-US" dirty="0"/>
+              <a:rPr lang="en-US" sz="1600" dirty="0">
+                <a:latin typeface="Roboto Light" panose="02000000000000000000" pitchFamily="2" charset="0"/>
+                <a:ea typeface="Roboto Light" panose="02000000000000000000" pitchFamily="2" charset="0"/>
+                <a:cs typeface="Roboto Light" panose="02000000000000000000" pitchFamily="2" charset="0"/>
+              </a:rPr>
               <a:t>The design space shows a large set of </a:t>
             </a:r>
             <a:r>
-              <a:rPr lang="en-US" dirty="0" err="1"/>
+              <a:rPr lang="en-US" sz="1600" dirty="0" err="1">
+                <a:latin typeface="Roboto Light" panose="02000000000000000000" pitchFamily="2" charset="0"/>
+                <a:ea typeface="Roboto Light" panose="02000000000000000000" pitchFamily="2" charset="0"/>
+                <a:cs typeface="Roboto Light" panose="02000000000000000000" pitchFamily="2" charset="0"/>
+              </a:rPr>
               <a:t>flavour</a:t>
             </a:r>
             <a:r>
-              <a:rPr lang="en-US" dirty="0"/>
+              <a:rPr lang="en-US" sz="1600" dirty="0">
+                <a:latin typeface="Roboto Light" panose="02000000000000000000" pitchFamily="2" charset="0"/>
+                <a:ea typeface="Roboto Light" panose="02000000000000000000" pitchFamily="2" charset="0"/>
+                <a:cs typeface="Roboto Light" panose="02000000000000000000" pitchFamily="2" charset="0"/>
+              </a:rPr>
               <a:t> combinations that remain unexplored. Predictions for these areas carry higher uncertainty, but they also represent potential opportunities for market differentiation.</a:t>
             </a:r>
           </a:p>
@@ -14644,10 +14705,18 @@
               <a:buChar char="•"/>
             </a:pPr>
             <a:r>
-              <a:rPr lang="en-US" dirty="0"/>
+              <a:rPr lang="en-US" sz="1600" dirty="0">
+                <a:latin typeface="Roboto Light" panose="02000000000000000000" pitchFamily="2" charset="0"/>
+                <a:ea typeface="Roboto Light" panose="02000000000000000000" pitchFamily="2" charset="0"/>
+                <a:cs typeface="Roboto Light" panose="02000000000000000000" pitchFamily="2" charset="0"/>
+              </a:rPr>
               <a:t>Fruity, in particular, is significantly under‑explored, so we identified its most promising new combinations for exploration, alongside the best‑predicted composition for immediate exploitation</a:t>
             </a:r>
-            <a:endParaRPr lang="en-IN" dirty="0"/>
+            <a:endParaRPr lang="en-IN" sz="1600" dirty="0">
+              <a:latin typeface="Roboto Light" panose="02000000000000000000" pitchFamily="2" charset="0"/>
+              <a:ea typeface="Roboto Light" panose="02000000000000000000" pitchFamily="2" charset="0"/>
+              <a:cs typeface="Roboto Light" panose="02000000000000000000" pitchFamily="2" charset="0"/>
+            </a:endParaRPr>
           </a:p>
         </p:txBody>
       </p:sp>

--- a/outputs/Final Deliverables.pptx
+++ b/outputs/Final Deliverables.pptx
@@ -514,14 +514,14 @@
               </a:defRPr>
             </a:pPr>
             <a:r>
-              <a:rPr lang="en-IN"/>
+              <a:rPr lang="en-IN" dirty="0"/>
               <a:t>Selected</a:t>
             </a:r>
             <a:r>
-              <a:rPr lang="en-IN" baseline="0"/>
-              <a:t> Features with their importance</a:t>
+              <a:rPr lang="en-IN" baseline="0" dirty="0"/>
+              <a:t> Features with their relative importance</a:t>
             </a:r>
-            <a:endParaRPr lang="en-IN"/>
+            <a:endParaRPr lang="en-IN" dirty="0"/>
           </a:p>
         </c:rich>
       </c:tx>
@@ -7588,8 +7588,8 @@
         </p:nvSpPr>
         <p:spPr>
           <a:xfrm>
-            <a:off x="814387" y="3813823"/>
-            <a:ext cx="5012656" cy="2823289"/>
+            <a:off x="814386" y="3813823"/>
+            <a:ext cx="5081699" cy="2823289"/>
           </a:xfrm>
           <a:prstGeom prst="rect">
             <a:avLst/>
@@ -7616,7 +7616,26 @@
                 <a:ea typeface="Roboto" panose="02000000000000000000" pitchFamily="2" charset="0"/>
                 <a:cs typeface="Roboto" panose="02000000000000000000" pitchFamily="2" charset="0"/>
               </a:rPr>
-              <a:t>Optimal choice considering </a:t>
+              <a:t>Optimal choice </a:t>
+            </a:r>
+            <a:r>
+              <a:rPr lang="en-GB" b="1" kern="0" dirty="0">
+                <a:solidFill>
+                  <a:srgbClr val="222C39"/>
+                </a:solidFill>
+                <a:latin typeface="Roboto" panose="02000000000000000000" pitchFamily="2" charset="0"/>
+                <a:ea typeface="Roboto" panose="02000000000000000000" pitchFamily="2" charset="0"/>
+                <a:cs typeface="Roboto" panose="02000000000000000000" pitchFamily="2" charset="0"/>
+              </a:rPr>
+              <a:t>(safest bet) </a:t>
+            </a:r>
+            <a:r>
+              <a:rPr lang="en-US" b="1" dirty="0">
+                <a:latin typeface="Roboto" panose="02000000000000000000" pitchFamily="2" charset="0"/>
+                <a:ea typeface="Roboto" panose="02000000000000000000" pitchFamily="2" charset="0"/>
+                <a:cs typeface="Roboto" panose="02000000000000000000" pitchFamily="2" charset="0"/>
+              </a:rPr>
+              <a:t>- considering </a:t>
             </a:r>
             <a:r>
               <a:rPr lang="en-US" b="1" dirty="0" err="1">
@@ -7632,25 +7651,22 @@
                 <a:ea typeface="Roboto" panose="02000000000000000000" pitchFamily="2" charset="0"/>
                 <a:cs typeface="Roboto" panose="02000000000000000000" pitchFamily="2" charset="0"/>
               </a:rPr>
-              <a:t> interdependencies </a:t>
+              <a:t> interdependencies</a:t>
             </a:r>
-            <a:r>
-              <a:rPr kumimoji="0" lang="en-GB" sz="1800" b="1" i="0" u="none" strike="noStrike" kern="0" cap="none" spc="0" normalizeH="0" baseline="0" noProof="0" dirty="0">
-                <a:ln>
-                  <a:noFill/>
-                </a:ln>
-                <a:solidFill>
-                  <a:srgbClr val="222C39"/>
-                </a:solidFill>
-                <a:effectLst/>
-                <a:uLnTx/>
-                <a:uFillTx/>
-                <a:latin typeface="Roboto" panose="02000000000000000000" pitchFamily="2" charset="0"/>
-                <a:ea typeface="Roboto" panose="02000000000000000000" pitchFamily="2" charset="0"/>
-                <a:cs typeface="Roboto" panose="02000000000000000000" pitchFamily="2" charset="0"/>
-              </a:rPr>
-              <a:t>(safest bet) </a:t>
-            </a:r>
+            <a:endParaRPr kumimoji="0" lang="en-GB" sz="1800" b="1" i="0" u="none" strike="noStrike" kern="0" cap="none" spc="0" normalizeH="0" baseline="0" noProof="0" dirty="0">
+              <a:ln>
+                <a:noFill/>
+              </a:ln>
+              <a:solidFill>
+                <a:srgbClr val="222C39"/>
+              </a:solidFill>
+              <a:effectLst/>
+              <a:uLnTx/>
+              <a:uFillTx/>
+              <a:latin typeface="Roboto" panose="02000000000000000000" pitchFamily="2" charset="0"/>
+              <a:ea typeface="Roboto" panose="02000000000000000000" pitchFamily="2" charset="0"/>
+              <a:cs typeface="Roboto" panose="02000000000000000000" pitchFamily="2" charset="0"/>
+            </a:endParaRPr>
           </a:p>
         </p:txBody>
       </p:sp>
@@ -7668,8 +7684,8 @@
         </p:nvSpPr>
         <p:spPr>
           <a:xfrm>
-            <a:off x="814387" y="1347922"/>
-            <a:ext cx="5012656" cy="2356869"/>
+            <a:off x="814386" y="1310343"/>
+            <a:ext cx="5081701" cy="2363896"/>
           </a:xfrm>
           <a:prstGeom prst="rect">
             <a:avLst/>
@@ -7724,13 +7740,22 @@
               <a:defRPr/>
             </a:pPr>
             <a:r>
-              <a:rPr lang="en-GB" dirty="0">
+              <a:rPr lang="en-US" dirty="0">
                 <a:solidFill>
                   <a:srgbClr val="222C39"/>
                 </a:solidFill>
                 <a:latin typeface="Roboto Light"/>
               </a:rPr>
-              <a:t>Sensitivity study reveals strong individual contributors for higher customer preference –</a:t>
+              <a:t>Sensitivity analysis shows that the following factors are the strongest individual drivers of higher customer preference</a:t>
+            </a:r>
+            <a:r>
+              <a:rPr lang="en-GB" dirty="0">
+                <a:solidFill>
+                  <a:srgbClr val="222C39"/>
+                </a:solidFill>
+                <a:latin typeface="Roboto Light"/>
+              </a:rPr>
+              <a:t>–</a:t>
             </a:r>
           </a:p>
           <a:p>
@@ -7778,7 +7803,7 @@
                 </a:solidFill>
                 <a:latin typeface="Roboto Light"/>
               </a:rPr>
-              <a:t>Crisped Rice Wafer and Peanut Almondy are favourite flavours.</a:t>
+              <a:t>Crisped Rice Wafer and Peanut Almondy.</a:t>
             </a:r>
           </a:p>
           <a:p>
@@ -8051,22 +8076,28 @@
               <a:defRPr/>
             </a:pPr>
             <a:r>
-              <a:rPr kumimoji="0" lang="en-US" sz="2600" b="0" i="0" u="none" strike="noStrike" kern="1200" cap="none" spc="0" normalizeH="0" baseline="0" noProof="0" dirty="0">
-                <a:ln>
-                  <a:noFill/>
-                </a:ln>
+              <a:rPr lang="en-US" dirty="0">
                 <a:solidFill>
                   <a:srgbClr val="222C39"/>
                 </a:solidFill>
-                <a:effectLst/>
-                <a:uLnTx/>
-                <a:uFillTx/>
                 <a:latin typeface="Roboto Light"/>
-                <a:ea typeface="+mn-ea"/>
-                <a:cs typeface="+mn-cs"/>
               </a:rPr>
-              <a:t>Balancing Exploration and Exploitation</a:t>
+              <a:t>Strategy to balance exploration and exploitation for optimal returns</a:t>
             </a:r>
+            <a:endParaRPr kumimoji="0" lang="en-US" sz="2600" b="0" i="0" u="none" strike="noStrike" kern="1200" cap="none" spc="0" normalizeH="0" baseline="0" noProof="0" dirty="0">
+              <a:ln>
+                <a:noFill/>
+              </a:ln>
+              <a:solidFill>
+                <a:srgbClr val="222C39"/>
+              </a:solidFill>
+              <a:effectLst/>
+              <a:uLnTx/>
+              <a:uFillTx/>
+              <a:latin typeface="Roboto Light"/>
+              <a:ea typeface="+mn-ea"/>
+              <a:cs typeface="+mn-cs"/>
+            </a:endParaRPr>
           </a:p>
         </p:txBody>
       </p:sp>
@@ -9775,7 +9806,7 @@
               <a:defRPr/>
             </a:pPr>
             <a:r>
-              <a:rPr kumimoji="0" lang="en-US" sz="2600" b="0" i="0" u="none" strike="noStrike" kern="1200" cap="none" spc="0" normalizeH="0" baseline="0" noProof="0">
+              <a:rPr kumimoji="0" lang="en-US" sz="2600" b="0" i="0" u="none" strike="noStrike" kern="1200" cap="none" spc="0" normalizeH="0" baseline="0" noProof="0" dirty="0">
                 <a:ln>
                   <a:noFill/>
                 </a:ln>
@@ -9791,20 +9822,6 @@
               </a:rPr>
               <a:t>Balancing Exploration and Exploitation</a:t>
             </a:r>
-            <a:endParaRPr kumimoji="0" lang="en-US" sz="2600" b="0" i="0" u="none" strike="noStrike" kern="1200" cap="none" spc="0" normalizeH="0" baseline="0" noProof="0" dirty="0">
-              <a:ln>
-                <a:noFill/>
-              </a:ln>
-              <a:solidFill>
-                <a:srgbClr val="222C39"/>
-              </a:solidFill>
-              <a:effectLst/>
-              <a:uLnTx/>
-              <a:uFillTx/>
-              <a:latin typeface="Roboto Light"/>
-              <a:ea typeface="+mn-ea"/>
-              <a:cs typeface="+mn-cs"/>
-            </a:endParaRPr>
           </a:p>
         </p:txBody>
       </p:sp>
@@ -10191,7 +10208,7 @@
                 <a:uFillTx/>
                 <a:latin typeface="Roboto"/>
               </a:rPr>
-              <a:t>New combinations to try</a:t>
+              <a:t>New Fruity combinations to try</a:t>
             </a:r>
           </a:p>
         </p:txBody>
@@ -10383,7 +10400,7 @@
         </p:nvSpPr>
         <p:spPr>
           <a:xfrm>
-            <a:off x="6482082" y="5511102"/>
+            <a:off x="6624322" y="5656580"/>
             <a:ext cx="1745768" cy="356778"/>
           </a:xfrm>
           <a:prstGeom prst="rect">
@@ -10452,7 +10469,7 @@
         </p:nvSpPr>
         <p:spPr>
           <a:xfrm>
-            <a:off x="9060918" y="5511102"/>
+            <a:off x="9203158" y="5656580"/>
             <a:ext cx="1943950" cy="356778"/>
           </a:xfrm>
           <a:prstGeom prst="rect">
@@ -10540,7 +10557,7 @@
         </p:blipFill>
         <p:spPr>
           <a:xfrm>
-            <a:off x="8415784" y="5460891"/>
+            <a:off x="8558024" y="5606369"/>
             <a:ext cx="457200" cy="457200"/>
           </a:xfrm>
           <a:prstGeom prst="rect">
@@ -10550,10 +10567,10 @@
       </p:pic>
       <p:sp>
         <p:nvSpPr>
-          <p:cNvPr id="30" name="TextBox 29">
+          <p:cNvPr id="39" name="TextBox 38">
             <a:extLst>
               <a:ext uri="{FF2B5EF4-FFF2-40B4-BE49-F238E27FC236}">
-                <a16:creationId xmlns:a16="http://schemas.microsoft.com/office/drawing/2014/main" id="{AE43FF66-F6AA-A5AC-EC28-AE9BEAF6ACD5}"/>
+                <a16:creationId xmlns:a16="http://schemas.microsoft.com/office/drawing/2014/main" id="{41FCF946-1B7C-7BFE-A85C-AAFE13888104}"/>
               </a:ext>
             </a:extLst>
           </p:cNvPr>
@@ -10562,7 +10579,7 @@
         </p:nvSpPr>
         <p:spPr>
           <a:xfrm>
-            <a:off x="6482082" y="6113032"/>
+            <a:off x="6624322" y="4471956"/>
             <a:ext cx="1745768" cy="356778"/>
           </a:xfrm>
           <a:prstGeom prst="rect">
@@ -10619,10 +10636,10 @@
       </p:sp>
       <p:sp>
         <p:nvSpPr>
-          <p:cNvPr id="31" name="TextBox 30">
+          <p:cNvPr id="40" name="TextBox 39">
             <a:extLst>
               <a:ext uri="{FF2B5EF4-FFF2-40B4-BE49-F238E27FC236}">
-                <a16:creationId xmlns:a16="http://schemas.microsoft.com/office/drawing/2014/main" id="{122AC3B9-0B96-5EA8-D563-88CC1F46BE9D}"/>
+                <a16:creationId xmlns:a16="http://schemas.microsoft.com/office/drawing/2014/main" id="{7B8612B7-F079-71A2-55D9-0A0836244AFD}"/>
               </a:ext>
             </a:extLst>
           </p:cNvPr>
@@ -10631,7 +10648,7 @@
         </p:nvSpPr>
         <p:spPr>
           <a:xfrm>
-            <a:off x="9060918" y="6113032"/>
+            <a:off x="9203158" y="4471956"/>
             <a:ext cx="1943950" cy="356778"/>
           </a:xfrm>
           <a:prstGeom prst="rect">
@@ -10673,7 +10690,7 @@
                   <a:srgbClr val="222C39"/>
                 </a:solidFill>
               </a:rPr>
-              <a:t>Nougat</a:t>
+              <a:t>Chocolate</a:t>
             </a:r>
             <a:endParaRPr kumimoji="0" lang="en-GB" sz="1800" i="0" u="none" strike="noStrike" kern="1200" cap="none" spc="0" normalizeH="0" baseline="0" noProof="0" dirty="0">
               <a:ln>
@@ -10693,10 +10710,10 @@
       </p:sp>
       <p:pic>
         <p:nvPicPr>
-          <p:cNvPr id="32" name="Graphic 31" descr="Add">
+          <p:cNvPr id="41" name="Graphic 40" descr="Add">
             <a:extLst>
               <a:ext uri="{FF2B5EF4-FFF2-40B4-BE49-F238E27FC236}">
-                <a16:creationId xmlns:a16="http://schemas.microsoft.com/office/drawing/2014/main" id="{638CA439-37D2-F61E-F71E-C6065E425514}"/>
+                <a16:creationId xmlns:a16="http://schemas.microsoft.com/office/drawing/2014/main" id="{E03D4496-88A2-ABB4-EBA9-83D2610A0101}"/>
               </a:ext>
             </a:extLst>
           </p:cNvPr>
@@ -10719,7 +10736,7 @@
         </p:blipFill>
         <p:spPr>
           <a:xfrm>
-            <a:off x="8415784" y="6062821"/>
+            <a:off x="8558024" y="4421745"/>
             <a:ext cx="457200" cy="457200"/>
           </a:xfrm>
           <a:prstGeom prst="rect">
@@ -10729,10 +10746,10 @@
       </p:pic>
       <p:sp>
         <p:nvSpPr>
-          <p:cNvPr id="39" name="TextBox 38">
+          <p:cNvPr id="48" name="TextBox 47">
             <a:extLst>
               <a:ext uri="{FF2B5EF4-FFF2-40B4-BE49-F238E27FC236}">
-                <a16:creationId xmlns:a16="http://schemas.microsoft.com/office/drawing/2014/main" id="{41FCF946-1B7C-7BFE-A85C-AAFE13888104}"/>
+                <a16:creationId xmlns:a16="http://schemas.microsoft.com/office/drawing/2014/main" id="{E39844EE-934A-8B10-5366-0718BC3B67A9}"/>
               </a:ext>
             </a:extLst>
           </p:cNvPr>
@@ -10741,7 +10758,7 @@
         </p:nvSpPr>
         <p:spPr>
           <a:xfrm>
-            <a:off x="6482082" y="4326478"/>
+            <a:off x="6624322" y="5010662"/>
             <a:ext cx="1745768" cy="356778"/>
           </a:xfrm>
           <a:prstGeom prst="rect">
@@ -10798,10 +10815,10 @@
       </p:sp>
       <p:sp>
         <p:nvSpPr>
-          <p:cNvPr id="40" name="TextBox 39">
+          <p:cNvPr id="49" name="TextBox 48">
             <a:extLst>
               <a:ext uri="{FF2B5EF4-FFF2-40B4-BE49-F238E27FC236}">
-                <a16:creationId xmlns:a16="http://schemas.microsoft.com/office/drawing/2014/main" id="{7B8612B7-F079-71A2-55D9-0A0836244AFD}"/>
+                <a16:creationId xmlns:a16="http://schemas.microsoft.com/office/drawing/2014/main" id="{49A6A64B-EDBF-BA4E-AE94-1EA7412C366C}"/>
               </a:ext>
             </a:extLst>
           </p:cNvPr>
@@ -10810,7 +10827,7 @@
         </p:nvSpPr>
         <p:spPr>
           <a:xfrm>
-            <a:off x="9060918" y="4326478"/>
+            <a:off x="9203158" y="5010662"/>
             <a:ext cx="1943950" cy="356778"/>
           </a:xfrm>
           <a:prstGeom prst="rect">
@@ -10852,185 +10869,6 @@
                   <a:srgbClr val="222C39"/>
                 </a:solidFill>
               </a:rPr>
-              <a:t>Chocolate</a:t>
-            </a:r>
-            <a:endParaRPr kumimoji="0" lang="en-GB" sz="1800" i="0" u="none" strike="noStrike" kern="1200" cap="none" spc="0" normalizeH="0" baseline="0" noProof="0" dirty="0">
-              <a:ln>
-                <a:noFill/>
-              </a:ln>
-              <a:solidFill>
-                <a:srgbClr val="222C39"/>
-              </a:solidFill>
-              <a:effectLst/>
-              <a:uLnTx/>
-              <a:uFillTx/>
-              <a:ea typeface="+mn-ea"/>
-              <a:cs typeface="+mn-cs"/>
-            </a:endParaRPr>
-          </a:p>
-        </p:txBody>
-      </p:sp>
-      <p:pic>
-        <p:nvPicPr>
-          <p:cNvPr id="41" name="Graphic 40" descr="Add">
-            <a:extLst>
-              <a:ext uri="{FF2B5EF4-FFF2-40B4-BE49-F238E27FC236}">
-                <a16:creationId xmlns:a16="http://schemas.microsoft.com/office/drawing/2014/main" id="{E03D4496-88A2-ABB4-EBA9-83D2610A0101}"/>
-              </a:ext>
-            </a:extLst>
-          </p:cNvPr>
-          <p:cNvPicPr>
-            <a:picLocks noChangeAspect="1"/>
-          </p:cNvPicPr>
-          <p:nvPr/>
-        </p:nvPicPr>
-        <p:blipFill>
-          <a:blip r:embed="rId3">
-            <a:extLst>
-              <a:ext uri="{96DAC541-7B7A-43D3-8B79-37D633B846F1}">
-                <asvg:svgBlip xmlns:asvg="http://schemas.microsoft.com/office/drawing/2016/SVG/main" r:embed="rId4"/>
-              </a:ext>
-            </a:extLst>
-          </a:blip>
-          <a:stretch>
-            <a:fillRect/>
-          </a:stretch>
-        </p:blipFill>
-        <p:spPr>
-          <a:xfrm>
-            <a:off x="8415784" y="4276267"/>
-            <a:ext cx="457200" cy="457200"/>
-          </a:xfrm>
-          <a:prstGeom prst="rect">
-            <a:avLst/>
-          </a:prstGeom>
-        </p:spPr>
-      </p:pic>
-      <p:sp>
-        <p:nvSpPr>
-          <p:cNvPr id="48" name="TextBox 47">
-            <a:extLst>
-              <a:ext uri="{FF2B5EF4-FFF2-40B4-BE49-F238E27FC236}">
-                <a16:creationId xmlns:a16="http://schemas.microsoft.com/office/drawing/2014/main" id="{E39844EE-934A-8B10-5366-0718BC3B67A9}"/>
-              </a:ext>
-            </a:extLst>
-          </p:cNvPr>
-          <p:cNvSpPr txBox="1"/>
-          <p:nvPr/>
-        </p:nvSpPr>
-        <p:spPr>
-          <a:xfrm>
-            <a:off x="6482082" y="4865184"/>
-            <a:ext cx="1745768" cy="356778"/>
-          </a:xfrm>
-          <a:prstGeom prst="rect">
-            <a:avLst/>
-          </a:prstGeom>
-          <a:solidFill>
-            <a:schemeClr val="tx2">
-              <a:lumMod val="20000"/>
-              <a:lumOff val="80000"/>
-            </a:schemeClr>
-          </a:solidFill>
-        </p:spPr>
-        <p:txBody>
-          <a:bodyPr wrap="square">
-            <a:noAutofit/>
-          </a:bodyPr>
-          <a:lstStyle/>
-          <a:p>
-            <a:pPr marL="0" marR="0" lvl="0" indent="0" algn="ctr" defTabSz="914400" rtl="0" eaLnBrk="1" fontAlgn="auto" latinLnBrk="0" hangingPunct="1">
-              <a:lnSpc>
-                <a:spcPct val="100000"/>
-              </a:lnSpc>
-              <a:spcBef>
-                <a:spcPts val="0"/>
-              </a:spcBef>
-              <a:spcAft>
-                <a:spcPts val="0"/>
-              </a:spcAft>
-              <a:buClrTx/>
-              <a:buSzTx/>
-              <a:buFontTx/>
-              <a:buNone/>
-              <a:tabLst/>
-              <a:defRPr/>
-            </a:pPr>
-            <a:r>
-              <a:rPr kumimoji="0" lang="en-GB" sz="1800" i="0" u="none" strike="noStrike" kern="1200" cap="none" spc="0" normalizeH="0" baseline="0" noProof="0" dirty="0">
-                <a:ln>
-                  <a:noFill/>
-                </a:ln>
-                <a:solidFill>
-                  <a:srgbClr val="222C39"/>
-                </a:solidFill>
-                <a:effectLst/>
-                <a:uLnTx/>
-                <a:uFillTx/>
-                <a:ea typeface="+mn-ea"/>
-                <a:cs typeface="+mn-cs"/>
-              </a:rPr>
-              <a:t>Fruity</a:t>
-            </a:r>
-          </a:p>
-        </p:txBody>
-      </p:sp>
-      <p:sp>
-        <p:nvSpPr>
-          <p:cNvPr id="49" name="TextBox 48">
-            <a:extLst>
-              <a:ext uri="{FF2B5EF4-FFF2-40B4-BE49-F238E27FC236}">
-                <a16:creationId xmlns:a16="http://schemas.microsoft.com/office/drawing/2014/main" id="{49A6A64B-EDBF-BA4E-AE94-1EA7412C366C}"/>
-              </a:ext>
-            </a:extLst>
-          </p:cNvPr>
-          <p:cNvSpPr txBox="1"/>
-          <p:nvPr/>
-        </p:nvSpPr>
-        <p:spPr>
-          <a:xfrm>
-            <a:off x="9060918" y="4865184"/>
-            <a:ext cx="1943950" cy="356778"/>
-          </a:xfrm>
-          <a:prstGeom prst="rect">
-            <a:avLst/>
-          </a:prstGeom>
-          <a:solidFill>
-            <a:schemeClr val="tx2">
-              <a:lumMod val="20000"/>
-              <a:lumOff val="80000"/>
-            </a:schemeClr>
-          </a:solidFill>
-        </p:spPr>
-        <p:txBody>
-          <a:bodyPr wrap="square">
-            <a:noAutofit/>
-          </a:bodyPr>
-          <a:lstStyle/>
-          <a:p>
-            <a:pPr marL="0" marR="0" lvl="0" indent="0" algn="ctr" defTabSz="914400" rtl="0" eaLnBrk="1" fontAlgn="auto" latinLnBrk="0" hangingPunct="1">
-              <a:lnSpc>
-                <a:spcPct val="100000"/>
-              </a:lnSpc>
-              <a:spcBef>
-                <a:spcPts val="0"/>
-              </a:spcBef>
-              <a:spcAft>
-                <a:spcPts val="0"/>
-              </a:spcAft>
-              <a:buClrTx/>
-              <a:buSzTx/>
-              <a:buFontTx/>
-              <a:buNone/>
-              <a:tabLst/>
-              <a:defRPr/>
-            </a:pPr>
-            <a:r>
-              <a:rPr lang="en-GB" dirty="0">
-                <a:solidFill>
-                  <a:srgbClr val="222C39"/>
-                </a:solidFill>
-              </a:rPr>
               <a:t>Crisped Rice Waf</a:t>
             </a:r>
             <a:endParaRPr kumimoji="0" lang="en-GB" sz="1800" i="0" u="none" strike="noStrike" kern="1200" cap="none" spc="0" normalizeH="0" baseline="0" noProof="0" dirty="0">
@@ -11077,7 +10915,7 @@
         </p:blipFill>
         <p:spPr>
           <a:xfrm>
-            <a:off x="8415784" y="4814973"/>
+            <a:off x="8558024" y="4960451"/>
             <a:ext cx="457200" cy="457200"/>
           </a:xfrm>
           <a:prstGeom prst="rect">
@@ -11099,7 +10937,7 @@
         </p:nvSpPr>
         <p:spPr>
           <a:xfrm>
-            <a:off x="10570811" y="4366367"/>
+            <a:off x="10713051" y="4511845"/>
             <a:ext cx="1036320" cy="276999"/>
           </a:xfrm>
           <a:prstGeom prst="rect">
@@ -11519,7 +11357,7 @@
                 <a:ea typeface="+mn-ea"/>
                 <a:cs typeface="+mn-cs"/>
               </a:rPr>
-              <a:t>ML model</a:t>
+              <a:t>Developed a ML model</a:t>
             </a:r>
             <a:r>
               <a:rPr lang="en-US" dirty="0">
@@ -11908,7 +11746,7 @@
                 </a:solidFill>
                 <a:latin typeface="Roboto Light"/>
               </a:rPr>
-              <a:t>Dataset has some features which were correlated with other features or did not have enough variation.</a:t>
+              <a:t>Dataset had some features that were correlated with other features or did not have enough variation.</a:t>
             </a:r>
           </a:p>
           <a:p>
@@ -11944,7 +11782,7 @@
           <p:nvPr>
             <p:extLst>
               <p:ext uri="{D42A27DB-BD31-4B8C-83A1-F6EECF244321}">
-                <p14:modId xmlns:p14="http://schemas.microsoft.com/office/powerpoint/2010/main" val="1294359561"/>
+                <p14:modId xmlns:p14="http://schemas.microsoft.com/office/powerpoint/2010/main" val="206480915"/>
               </p:ext>
             </p:extLst>
           </p:nvPr>
@@ -12022,7 +11860,7 @@
                 <a:uFillTx/>
                 <a:latin typeface="Roboto"/>
               </a:rPr>
-              <a:t>GPR model</a:t>
+              <a:t>GPR model with reasonable accuracy</a:t>
             </a:r>
           </a:p>
         </p:txBody>
@@ -12977,7 +12815,7 @@
         <p:spPr>
           <a:xfrm>
             <a:off x="6293454" y="5745467"/>
-            <a:ext cx="5479852" cy="830997"/>
+            <a:ext cx="5109678" cy="830997"/>
           </a:xfrm>
           <a:prstGeom prst="rect">
             <a:avLst/>
@@ -13000,7 +12838,16 @@
                 </a:solidFill>
                 <a:latin typeface="Roboto Light"/>
               </a:rPr>
-              <a:t>GPR was selected because of its ability to give uncertainties as well. It had 0.73 Rs (spearman correlation) for ranking candies.</a:t>
+              <a:t>GPR was selected because of its ability to give uncertainties as well. It had </a:t>
+            </a:r>
+            <a:r>
+              <a:rPr lang="en-GB" sz="1600" b="1" dirty="0">
+                <a:solidFill>
+                  <a:srgbClr val="222C39"/>
+                </a:solidFill>
+                <a:latin typeface="Roboto Light"/>
+              </a:rPr>
+              <a:t>0.73 Rs (spearman correlation) for ranking candies.</a:t>
             </a:r>
           </a:p>
         </p:txBody>
@@ -13328,7 +13175,7 @@
                 </a:solidFill>
                 <a:latin typeface="Roboto Light"/>
               </a:rPr>
-              <a:t>Recommendations based on sensitivity analysis on design space</a:t>
+              <a:t>Sensitivity analysis on design space was used to give recommendations</a:t>
             </a:r>
             <a:endParaRPr kumimoji="0" lang="en-US" sz="2600" b="0" i="0" u="none" strike="noStrike" kern="1200" cap="none" spc="0" normalizeH="0" baseline="0" noProof="0" dirty="0">
               <a:ln>
@@ -13626,7 +13473,7 @@
         </p:blipFill>
         <p:spPr>
           <a:xfrm>
-            <a:off x="814387" y="2021840"/>
+            <a:off x="814387" y="1870381"/>
             <a:ext cx="5095875" cy="3490277"/>
           </a:xfrm>
           <a:prstGeom prst="rect">
@@ -13657,7 +13504,7 @@
         </p:blipFill>
         <p:spPr>
           <a:xfrm>
-            <a:off x="6281740" y="2021840"/>
+            <a:off x="6281740" y="1870381"/>
             <a:ext cx="4914900" cy="3490277"/>
           </a:xfrm>
           <a:prstGeom prst="rect">
@@ -13698,21 +13545,7 @@
           </a:bodyPr>
           <a:lstStyle/>
           <a:p>
-            <a:pPr marL="0" marR="0" lvl="0" indent="0" algn="ctr" defTabSz="914400" eaLnBrk="1" fontAlgn="auto" latinLnBrk="0" hangingPunct="1">
-              <a:lnSpc>
-                <a:spcPct val="100000"/>
-              </a:lnSpc>
-              <a:spcBef>
-                <a:spcPts val="0"/>
-              </a:spcBef>
-              <a:spcAft>
-                <a:spcPts val="0"/>
-              </a:spcAft>
-              <a:buClrTx/>
-              <a:buSzTx/>
-              <a:buFontTx/>
-              <a:buNone/>
-              <a:tabLst/>
+            <a:pPr lvl="0" algn="ctr">
               <a:defRPr/>
             </a:pPr>
             <a:r>
@@ -13728,7 +13561,31 @@
                 <a:uFillTx/>
                 <a:latin typeface="Roboto"/>
               </a:rPr>
-              <a:t>Experimental Data in 2-D space</a:t>
+              <a:t>Experimental Data in </a:t>
+            </a:r>
+            <a:r>
+              <a:rPr lang="en-GB" b="1" kern="0" dirty="0">
+                <a:solidFill>
+                  <a:srgbClr val="222C39"/>
+                </a:solidFill>
+                <a:latin typeface="Roboto"/>
+              </a:rPr>
+              <a:t>reduced </a:t>
+            </a:r>
+            <a:r>
+              <a:rPr kumimoji="0" lang="en-GB" sz="1800" b="1" i="0" u="none" strike="noStrike" kern="0" cap="none" spc="0" normalizeH="0" baseline="0" noProof="0" dirty="0">
+                <a:ln>
+                  <a:noFill/>
+                </a:ln>
+                <a:solidFill>
+                  <a:srgbClr val="222C39"/>
+                </a:solidFill>
+                <a:effectLst/>
+                <a:uLnTx/>
+                <a:uFillTx/>
+                <a:latin typeface="Roboto"/>
+              </a:rPr>
+              <a:t>2-D space</a:t>
             </a:r>
           </a:p>
         </p:txBody>
@@ -13823,7 +13680,7 @@
         </p:blipFill>
         <p:spPr>
           <a:xfrm>
-            <a:off x="8739190" y="1882751"/>
+            <a:off x="8739190" y="1731292"/>
             <a:ext cx="1666240" cy="472751"/>
           </a:xfrm>
           <a:prstGeom prst="rect">
@@ -13845,8 +13702,8 @@
         </p:nvSpPr>
         <p:spPr>
           <a:xfrm>
-            <a:off x="1201479" y="5599460"/>
-            <a:ext cx="9814560" cy="646331"/>
+            <a:off x="814387" y="5360658"/>
+            <a:ext cx="10599856" cy="1077218"/>
           </a:xfrm>
           <a:prstGeom prst="rect">
             <a:avLst/>
@@ -13859,31 +13716,65 @@
           </a:bodyPr>
           <a:lstStyle/>
           <a:p>
+            <a:pPr marL="285750" indent="-285750">
+              <a:buFont typeface="Arial" panose="020B0604020202020204" pitchFamily="34" charset="0"/>
+              <a:buChar char="•"/>
+            </a:pPr>
             <a:r>
-              <a:rPr lang="en-US" dirty="0">
+              <a:rPr lang="en-US" sz="1600" dirty="0">
                 <a:latin typeface="Roboto Light" panose="02000000000000000000" pitchFamily="2" charset="0"/>
                 <a:ea typeface="Roboto Light" panose="02000000000000000000" pitchFamily="2" charset="0"/>
                 <a:cs typeface="Roboto Light" panose="02000000000000000000" pitchFamily="2" charset="0"/>
               </a:rPr>
-              <a:t>We used predictions from the design space to see which features have the biggest impact on how customers feel about a </a:t>
+              <a:t>We used predictions from the design space to understand which features strongly influence how customers perceive different </a:t>
             </a:r>
             <a:r>
-              <a:rPr lang="en-US" dirty="0" err="1">
+              <a:rPr lang="en-US" sz="1600" dirty="0" err="1">
                 <a:latin typeface="Roboto Light" panose="02000000000000000000" pitchFamily="2" charset="0"/>
                 <a:ea typeface="Roboto Light" panose="02000000000000000000" pitchFamily="2" charset="0"/>
                 <a:cs typeface="Roboto Light" panose="02000000000000000000" pitchFamily="2" charset="0"/>
               </a:rPr>
-              <a:t>flavour</a:t>
+              <a:t>flavours</a:t>
             </a:r>
             <a:r>
-              <a:rPr lang="en-US" dirty="0">
+              <a:rPr lang="en-US" sz="1600" dirty="0">
                 <a:latin typeface="Roboto Light" panose="02000000000000000000" pitchFamily="2" charset="0"/>
                 <a:ea typeface="Roboto Light" panose="02000000000000000000" pitchFamily="2" charset="0"/>
                 <a:cs typeface="Roboto Light" panose="02000000000000000000" pitchFamily="2" charset="0"/>
               </a:rPr>
-              <a:t>.</a:t>
+              <a:t>. </a:t>
             </a:r>
-            <a:endParaRPr lang="en-IN" dirty="0">
+          </a:p>
+          <a:p>
+            <a:pPr marL="285750" indent="-285750">
+              <a:buFont typeface="Arial" panose="020B0604020202020204" pitchFamily="34" charset="0"/>
+              <a:buChar char="•"/>
+            </a:pPr>
+            <a:r>
+              <a:rPr lang="en-US" sz="1600" dirty="0">
+                <a:latin typeface="Roboto Light" panose="02000000000000000000" pitchFamily="2" charset="0"/>
+                <a:ea typeface="Roboto Light" panose="02000000000000000000" pitchFamily="2" charset="0"/>
+                <a:cs typeface="Roboto Light" panose="02000000000000000000" pitchFamily="2" charset="0"/>
+              </a:rPr>
+              <a:t>The sensitivity analysis helped us identify and quantify each feature’s individual impact by averaging out the effects of all other features. (Helps in answering “</a:t>
+            </a:r>
+            <a:r>
+              <a:rPr lang="en-IN" sz="1600" dirty="0">
+                <a:latin typeface="Roboto Light" panose="02000000000000000000" pitchFamily="2" charset="0"/>
+                <a:ea typeface="Roboto Light" panose="02000000000000000000" pitchFamily="2" charset="0"/>
+                <a:cs typeface="Roboto Light" panose="02000000000000000000" pitchFamily="2" charset="0"/>
+              </a:rPr>
+              <a:t>cookie-based sweets”</a:t>
+            </a:r>
+            <a:r>
+              <a:rPr lang="en-US" sz="1600" dirty="0">
+                <a:latin typeface="Roboto Light" panose="02000000000000000000" pitchFamily="2" charset="0"/>
+                <a:ea typeface="Roboto Light" panose="02000000000000000000" pitchFamily="2" charset="0"/>
+                <a:cs typeface="Roboto Light" panose="02000000000000000000" pitchFamily="2" charset="0"/>
+              </a:rPr>
+              <a:t> or “cookie”? type questions).</a:t>
+            </a:r>
+            <a:endParaRPr lang="en-IN" sz="1600" dirty="0">
               <a:latin typeface="Roboto Light" panose="02000000000000000000" pitchFamily="2" charset="0"/>
               <a:ea typeface="Roboto Light" panose="02000000000000000000" pitchFamily="2" charset="0"/>
               <a:cs typeface="Roboto Light" panose="02000000000000000000" pitchFamily="2" charset="0"/>
@@ -14170,7 +14061,7 @@
                 </a:solidFill>
                 <a:latin typeface="Roboto Light"/>
               </a:rPr>
-              <a:t>A set of safe and riskier bets were recommended</a:t>
+              <a:t>A set of safe and riskier compositions were recommended</a:t>
             </a:r>
             <a:endParaRPr kumimoji="0" lang="en-US" sz="2600" b="0" i="0" u="none" strike="noStrike" kern="1200" cap="none" spc="0" normalizeH="0" baseline="0" noProof="0" dirty="0">
               <a:ln>
@@ -14468,7 +14359,7 @@
         </p:blipFill>
         <p:spPr>
           <a:xfrm>
-            <a:off x="6269347" y="1743104"/>
+            <a:off x="6231057" y="1743104"/>
             <a:ext cx="5172075" cy="3562694"/>
           </a:xfrm>
           <a:prstGeom prst="rect">
@@ -14710,7 +14601,7 @@
                 <a:ea typeface="Roboto Light" panose="02000000000000000000" pitchFamily="2" charset="0"/>
                 <a:cs typeface="Roboto Light" panose="02000000000000000000" pitchFamily="2" charset="0"/>
               </a:rPr>
-              <a:t>Fruity, in particular, is significantly under‑explored, so we identified its most promising new combinations for exploration, alongside the best‑predicted composition for immediate exploitation</a:t>
+              <a:t>Fruity, in particular, is significantly under‑explored, so we identified its most promising new combinations for exploration, alongside the best‑predicted composition for immediate exploitation.</a:t>
             </a:r>
             <a:endParaRPr lang="en-IN" sz="1600" dirty="0">
               <a:latin typeface="Roboto Light" panose="02000000000000000000" pitchFamily="2" charset="0"/>

--- a/outputs/Final Deliverables.pptx
+++ b/outputs/Final Deliverables.pptx
@@ -5,7 +5,7 @@
     <p:sldMasterId id="2147483648" r:id="rId1"/>
   </p:sldMasterIdLst>
   <p:notesMasterIdLst>
-    <p:notesMasterId r:id="rId9"/>
+    <p:notesMasterId r:id="rId10"/>
   </p:notesMasterIdLst>
   <p:sldIdLst>
     <p:sldId id="258" r:id="rId2"/>
@@ -15,6 +15,7 @@
     <p:sldId id="262" r:id="rId6"/>
     <p:sldId id="264" r:id="rId7"/>
     <p:sldId id="263" r:id="rId8"/>
+    <p:sldId id="265" r:id="rId9"/>
   </p:sldIdLst>
   <p:sldSz cx="12192000" cy="6858000"/>
   <p:notesSz cx="6858000" cy="9144000"/>
@@ -3547,7 +3548,7 @@
           <a:p>
             <a:fld id="{7B53714C-EB9D-4414-B15B-CB3CC2BB34E4}" type="datetimeFigureOut">
               <a:rPr lang="en-IN" smtClean="0"/>
-              <a:t>17-02-2026</a:t>
+              <a:t>18-02-2026</a:t>
             </a:fld>
             <a:endParaRPr lang="en-IN"/>
           </a:p>
@@ -4223,6 +4224,114 @@
 </p:notes>
 </file>
 
+<file path=ppt/notesSlides/notesSlide5.xml><?xml version="1.0" encoding="utf-8"?>
+<p:notes xmlns:a="http://schemas.openxmlformats.org/drawingml/2006/main" xmlns:r="http://schemas.openxmlformats.org/officeDocument/2006/relationships" xmlns:p="http://schemas.openxmlformats.org/presentationml/2006/main">
+  <p:cSld>
+    <p:spTree>
+      <p:nvGrpSpPr>
+        <p:cNvPr id="1" name="">
+          <a:extLst>
+            <a:ext uri="{FF2B5EF4-FFF2-40B4-BE49-F238E27FC236}">
+              <a16:creationId xmlns:a16="http://schemas.microsoft.com/office/drawing/2014/main" id="{090A508F-0899-62D1-AAA1-27E9ADB0B5B0}"/>
+            </a:ext>
+          </a:extLst>
+        </p:cNvPr>
+        <p:cNvGrpSpPr/>
+        <p:nvPr/>
+      </p:nvGrpSpPr>
+      <p:grpSpPr>
+        <a:xfrm>
+          <a:off x="0" y="0"/>
+          <a:ext cx="0" cy="0"/>
+          <a:chOff x="0" y="0"/>
+          <a:chExt cx="0" cy="0"/>
+        </a:xfrm>
+      </p:grpSpPr>
+      <p:sp>
+        <p:nvSpPr>
+          <p:cNvPr id="2" name="Slide Image Placeholder 1">
+            <a:extLst>
+              <a:ext uri="{FF2B5EF4-FFF2-40B4-BE49-F238E27FC236}">
+                <a16:creationId xmlns:a16="http://schemas.microsoft.com/office/drawing/2014/main" id="{063BD9F1-66EC-C172-6F8C-89A8D994E280}"/>
+              </a:ext>
+            </a:extLst>
+          </p:cNvPr>
+          <p:cNvSpPr>
+            <a:spLocks noGrp="1" noRot="1" noChangeAspect="1"/>
+          </p:cNvSpPr>
+          <p:nvPr>
+            <p:ph type="sldImg"/>
+          </p:nvPr>
+        </p:nvSpPr>
+        <p:spPr/>
+      </p:sp>
+      <p:sp>
+        <p:nvSpPr>
+          <p:cNvPr id="3" name="Notes Placeholder 2">
+            <a:extLst>
+              <a:ext uri="{FF2B5EF4-FFF2-40B4-BE49-F238E27FC236}">
+                <a16:creationId xmlns:a16="http://schemas.microsoft.com/office/drawing/2014/main" id="{05EBB38B-6DC9-48EE-1CD5-AD636FA0BFD9}"/>
+              </a:ext>
+            </a:extLst>
+          </p:cNvPr>
+          <p:cNvSpPr>
+            <a:spLocks noGrp="1"/>
+          </p:cNvSpPr>
+          <p:nvPr>
+            <p:ph type="body" idx="1"/>
+          </p:nvPr>
+        </p:nvSpPr>
+        <p:spPr/>
+        <p:txBody>
+          <a:bodyPr/>
+          <a:lstStyle/>
+          <a:p>
+            <a:endParaRPr lang="en-IN" dirty="0"/>
+          </a:p>
+        </p:txBody>
+      </p:sp>
+      <p:sp>
+        <p:nvSpPr>
+          <p:cNvPr id="4" name="Slide Number Placeholder 3">
+            <a:extLst>
+              <a:ext uri="{FF2B5EF4-FFF2-40B4-BE49-F238E27FC236}">
+                <a16:creationId xmlns:a16="http://schemas.microsoft.com/office/drawing/2014/main" id="{E183C078-21E2-82F5-1381-C1D815506286}"/>
+              </a:ext>
+            </a:extLst>
+          </p:cNvPr>
+          <p:cNvSpPr>
+            <a:spLocks noGrp="1"/>
+          </p:cNvSpPr>
+          <p:nvPr>
+            <p:ph type="sldNum" sz="quarter" idx="5"/>
+          </p:nvPr>
+        </p:nvSpPr>
+        <p:spPr/>
+        <p:txBody>
+          <a:bodyPr/>
+          <a:lstStyle/>
+          <a:p>
+            <a:fld id="{CADB3A5C-770E-46B9-A73E-6641DDAA884E}" type="slidenum">
+              <a:rPr lang="en-IN" smtClean="0"/>
+              <a:t>8</a:t>
+            </a:fld>
+            <a:endParaRPr lang="en-IN"/>
+          </a:p>
+        </p:txBody>
+      </p:sp>
+    </p:spTree>
+    <p:extLst>
+      <p:ext uri="{BB962C8B-B14F-4D97-AF65-F5344CB8AC3E}">
+        <p14:creationId xmlns:p14="http://schemas.microsoft.com/office/powerpoint/2010/main" val="3442985600"/>
+      </p:ext>
+    </p:extLst>
+  </p:cSld>
+  <p:clrMapOvr>
+    <a:masterClrMapping/>
+  </p:clrMapOvr>
+</p:notes>
+</file>
+
 <file path=ppt/slideLayouts/slideLayout1.xml><?xml version="1.0" encoding="utf-8"?>
 <p:sldLayout xmlns:a="http://schemas.openxmlformats.org/drawingml/2006/main" xmlns:r="http://schemas.openxmlformats.org/officeDocument/2006/relationships" xmlns:p="http://schemas.openxmlformats.org/presentationml/2006/main" type="title" preserve="1">
   <p:cSld name="Title Slide">
@@ -4372,7 +4481,7 @@
           <a:p>
             <a:fld id="{F643EDFF-7427-45C4-9B36-95BD80D4DD61}" type="datetimeFigureOut">
               <a:rPr lang="en-IN" smtClean="0"/>
-              <a:t>17-02-2026</a:t>
+              <a:t>18-02-2026</a:t>
             </a:fld>
             <a:endParaRPr lang="en-IN"/>
           </a:p>
@@ -4572,7 +4681,7 @@
           <a:p>
             <a:fld id="{F643EDFF-7427-45C4-9B36-95BD80D4DD61}" type="datetimeFigureOut">
               <a:rPr lang="en-IN" smtClean="0"/>
-              <a:t>17-02-2026</a:t>
+              <a:t>18-02-2026</a:t>
             </a:fld>
             <a:endParaRPr lang="en-IN"/>
           </a:p>
@@ -4782,7 +4891,7 @@
           <a:p>
             <a:fld id="{F643EDFF-7427-45C4-9B36-95BD80D4DD61}" type="datetimeFigureOut">
               <a:rPr lang="en-IN" smtClean="0"/>
-              <a:t>17-02-2026</a:t>
+              <a:t>18-02-2026</a:t>
             </a:fld>
             <a:endParaRPr lang="en-IN"/>
           </a:p>
@@ -4982,7 +5091,7 @@
           <a:p>
             <a:fld id="{F643EDFF-7427-45C4-9B36-95BD80D4DD61}" type="datetimeFigureOut">
               <a:rPr lang="en-IN" smtClean="0"/>
-              <a:t>17-02-2026</a:t>
+              <a:t>18-02-2026</a:t>
             </a:fld>
             <a:endParaRPr lang="en-IN"/>
           </a:p>
@@ -5258,7 +5367,7 @@
           <a:p>
             <a:fld id="{F643EDFF-7427-45C4-9B36-95BD80D4DD61}" type="datetimeFigureOut">
               <a:rPr lang="en-IN" smtClean="0"/>
-              <a:t>17-02-2026</a:t>
+              <a:t>18-02-2026</a:t>
             </a:fld>
             <a:endParaRPr lang="en-IN"/>
           </a:p>
@@ -5526,7 +5635,7 @@
           <a:p>
             <a:fld id="{F643EDFF-7427-45C4-9B36-95BD80D4DD61}" type="datetimeFigureOut">
               <a:rPr lang="en-IN" smtClean="0"/>
-              <a:t>17-02-2026</a:t>
+              <a:t>18-02-2026</a:t>
             </a:fld>
             <a:endParaRPr lang="en-IN"/>
           </a:p>
@@ -5941,7 +6050,7 @@
           <a:p>
             <a:fld id="{F643EDFF-7427-45C4-9B36-95BD80D4DD61}" type="datetimeFigureOut">
               <a:rPr lang="en-IN" smtClean="0"/>
-              <a:t>17-02-2026</a:t>
+              <a:t>18-02-2026</a:t>
             </a:fld>
             <a:endParaRPr lang="en-IN"/>
           </a:p>
@@ -6083,7 +6192,7 @@
           <a:p>
             <a:fld id="{F643EDFF-7427-45C4-9B36-95BD80D4DD61}" type="datetimeFigureOut">
               <a:rPr lang="en-IN" smtClean="0"/>
-              <a:t>17-02-2026</a:t>
+              <a:t>18-02-2026</a:t>
             </a:fld>
             <a:endParaRPr lang="en-IN"/>
           </a:p>
@@ -6196,7 +6305,7 @@
           <a:p>
             <a:fld id="{F643EDFF-7427-45C4-9B36-95BD80D4DD61}" type="datetimeFigureOut">
               <a:rPr lang="en-IN" smtClean="0"/>
-              <a:t>17-02-2026</a:t>
+              <a:t>18-02-2026</a:t>
             </a:fld>
             <a:endParaRPr lang="en-IN"/>
           </a:p>
@@ -6509,7 +6618,7 @@
           <a:p>
             <a:fld id="{F643EDFF-7427-45C4-9B36-95BD80D4DD61}" type="datetimeFigureOut">
               <a:rPr lang="en-IN" smtClean="0"/>
-              <a:t>17-02-2026</a:t>
+              <a:t>18-02-2026</a:t>
             </a:fld>
             <a:endParaRPr lang="en-IN"/>
           </a:p>
@@ -6798,7 +6907,7 @@
           <a:p>
             <a:fld id="{F643EDFF-7427-45C4-9B36-95BD80D4DD61}" type="datetimeFigureOut">
               <a:rPr lang="en-IN" smtClean="0"/>
-              <a:t>17-02-2026</a:t>
+              <a:t>18-02-2026</a:t>
             </a:fld>
             <a:endParaRPr lang="en-IN"/>
           </a:p>
@@ -7041,7 +7150,7 @@
           <a:p>
             <a:fld id="{F643EDFF-7427-45C4-9B36-95BD80D4DD61}" type="datetimeFigureOut">
               <a:rPr lang="en-IN" smtClean="0"/>
-              <a:t>17-02-2026</a:t>
+              <a:t>18-02-2026</a:t>
             </a:fld>
             <a:endParaRPr lang="en-IN"/>
           </a:p>
@@ -14624,6 +14733,646 @@
 </p:sld>
 </file>
 
+<file path=ppt/slides/slide8.xml><?xml version="1.0" encoding="utf-8"?>
+<p:sld xmlns:a="http://schemas.openxmlformats.org/drawingml/2006/main" xmlns:r="http://schemas.openxmlformats.org/officeDocument/2006/relationships" xmlns:p="http://schemas.openxmlformats.org/presentationml/2006/main" show="0">
+  <p:cSld>
+    <p:spTree>
+      <p:nvGrpSpPr>
+        <p:cNvPr id="1" name="">
+          <a:extLst>
+            <a:ext uri="{FF2B5EF4-FFF2-40B4-BE49-F238E27FC236}">
+              <a16:creationId xmlns:a16="http://schemas.microsoft.com/office/drawing/2014/main" id="{7BC64884-9FAC-F499-82FE-27FE1BCE620D}"/>
+            </a:ext>
+          </a:extLst>
+        </p:cNvPr>
+        <p:cNvGrpSpPr/>
+        <p:nvPr/>
+      </p:nvGrpSpPr>
+      <p:grpSpPr>
+        <a:xfrm>
+          <a:off x="0" y="0"/>
+          <a:ext cx="0" cy="0"/>
+          <a:chOff x="0" y="0"/>
+          <a:chExt cx="0" cy="0"/>
+        </a:xfrm>
+      </p:grpSpPr>
+      <p:sp>
+        <p:nvSpPr>
+          <p:cNvPr id="8" name="Text Placeholder 4">
+            <a:extLst>
+              <a:ext uri="{FF2B5EF4-FFF2-40B4-BE49-F238E27FC236}">
+                <a16:creationId xmlns:a16="http://schemas.microsoft.com/office/drawing/2014/main" id="{27015F77-2E8B-40AA-0314-DDB2DF3342E2}"/>
+              </a:ext>
+            </a:extLst>
+          </p:cNvPr>
+          <p:cNvSpPr txBox="1">
+            <a:spLocks/>
+          </p:cNvSpPr>
+          <p:nvPr/>
+        </p:nvSpPr>
+        <p:spPr>
+          <a:xfrm>
+            <a:off x="814387" y="697034"/>
+            <a:ext cx="10588745" cy="541856"/>
+          </a:xfrm>
+          <a:prstGeom prst="rect">
+            <a:avLst/>
+          </a:prstGeom>
+        </p:spPr>
+        <p:txBody>
+          <a:bodyPr vert="horz" lIns="0" tIns="0" rIns="0" bIns="0" rtlCol="0" anchor="t" anchorCtr="0">
+            <a:normAutofit/>
+          </a:bodyPr>
+          <a:lstStyle>
+            <a:lvl1pPr marL="0" indent="0" algn="l" defTabSz="914354" rtl="0" eaLnBrk="1" latinLnBrk="0" hangingPunct="1">
+              <a:lnSpc>
+                <a:spcPct val="100000"/>
+              </a:lnSpc>
+              <a:spcBef>
+                <a:spcPts val="0"/>
+              </a:spcBef>
+              <a:spcAft>
+                <a:spcPts val="2000"/>
+              </a:spcAft>
+              <a:buFont typeface="Arial" panose="020B0604020202020204" pitchFamily="34" charset="0"/>
+              <a:buNone/>
+              <a:defRPr sz="2600" kern="1200">
+                <a:solidFill>
+                  <a:schemeClr val="tx2"/>
+                </a:solidFill>
+                <a:latin typeface="+mn-lt"/>
+                <a:ea typeface="+mn-ea"/>
+                <a:cs typeface="+mn-cs"/>
+              </a:defRPr>
+            </a:lvl1pPr>
+            <a:lvl2pPr marL="143992" indent="0" algn="l" defTabSz="914354" rtl="0" eaLnBrk="1" latinLnBrk="0" hangingPunct="1">
+              <a:lnSpc>
+                <a:spcPct val="100000"/>
+              </a:lnSpc>
+              <a:spcBef>
+                <a:spcPts val="0"/>
+              </a:spcBef>
+              <a:spcAft>
+                <a:spcPts val="0"/>
+              </a:spcAft>
+              <a:buFont typeface="Arial" panose="020B0604020202020204" pitchFamily="34" charset="0"/>
+              <a:buNone/>
+              <a:defRPr sz="1200" kern="1200">
+                <a:solidFill>
+                  <a:schemeClr val="tx2"/>
+                </a:solidFill>
+                <a:latin typeface="+mn-lt"/>
+                <a:ea typeface="+mn-ea"/>
+                <a:cs typeface="+mn-cs"/>
+              </a:defRPr>
+            </a:lvl2pPr>
+            <a:lvl3pPr marL="143992" indent="0" algn="l" defTabSz="914354" rtl="0" eaLnBrk="1" latinLnBrk="0" hangingPunct="1">
+              <a:lnSpc>
+                <a:spcPct val="100000"/>
+              </a:lnSpc>
+              <a:spcBef>
+                <a:spcPts val="0"/>
+              </a:spcBef>
+              <a:spcAft>
+                <a:spcPts val="0"/>
+              </a:spcAft>
+              <a:buFont typeface="Arial" panose="020B0604020202020204" pitchFamily="34" charset="0"/>
+              <a:buNone/>
+              <a:defRPr sz="1200" kern="1200">
+                <a:solidFill>
+                  <a:schemeClr val="tx2"/>
+                </a:solidFill>
+                <a:latin typeface="+mn-lt"/>
+                <a:ea typeface="+mn-ea"/>
+                <a:cs typeface="+mn-cs"/>
+              </a:defRPr>
+            </a:lvl3pPr>
+            <a:lvl4pPr marL="143992" indent="0" algn="l" defTabSz="914354" rtl="0" eaLnBrk="1" latinLnBrk="0" hangingPunct="1">
+              <a:lnSpc>
+                <a:spcPct val="100000"/>
+              </a:lnSpc>
+              <a:spcBef>
+                <a:spcPts val="0"/>
+              </a:spcBef>
+              <a:spcAft>
+                <a:spcPts val="0"/>
+              </a:spcAft>
+              <a:buFont typeface="Arial" panose="020B0604020202020204" pitchFamily="34" charset="0"/>
+              <a:buNone/>
+              <a:defRPr sz="1200" kern="1200">
+                <a:solidFill>
+                  <a:schemeClr val="tx2"/>
+                </a:solidFill>
+                <a:latin typeface="+mn-lt"/>
+                <a:ea typeface="+mn-ea"/>
+                <a:cs typeface="+mn-cs"/>
+              </a:defRPr>
+            </a:lvl4pPr>
+            <a:lvl5pPr marL="143992" indent="0" algn="l" defTabSz="914354" rtl="0" eaLnBrk="1" latinLnBrk="0" hangingPunct="1">
+              <a:lnSpc>
+                <a:spcPct val="100000"/>
+              </a:lnSpc>
+              <a:spcBef>
+                <a:spcPts val="0"/>
+              </a:spcBef>
+              <a:spcAft>
+                <a:spcPts val="0"/>
+              </a:spcAft>
+              <a:buFont typeface="Arial" panose="020B0604020202020204" pitchFamily="34" charset="0"/>
+              <a:buNone/>
+              <a:defRPr sz="1200" kern="1200">
+                <a:solidFill>
+                  <a:schemeClr val="tx2"/>
+                </a:solidFill>
+                <a:latin typeface="+mn-lt"/>
+                <a:ea typeface="+mn-ea"/>
+                <a:cs typeface="+mn-cs"/>
+              </a:defRPr>
+            </a:lvl5pPr>
+            <a:lvl6pPr marL="143992" indent="-143992" algn="l" defTabSz="914354" rtl="0" eaLnBrk="1" latinLnBrk="0" hangingPunct="1">
+              <a:lnSpc>
+                <a:spcPts val="1500"/>
+              </a:lnSpc>
+              <a:spcBef>
+                <a:spcPts val="0"/>
+              </a:spcBef>
+              <a:spcAft>
+                <a:spcPts val="1000"/>
+              </a:spcAft>
+              <a:buFont typeface="Arial" panose="020B0604020202020204" pitchFamily="34" charset="0"/>
+              <a:buChar char="•"/>
+              <a:defRPr sz="1200" kern="1200">
+                <a:solidFill>
+                  <a:schemeClr val="tx1"/>
+                </a:solidFill>
+                <a:latin typeface="+mn-lt"/>
+                <a:ea typeface="+mn-ea"/>
+                <a:cs typeface="+mn-cs"/>
+              </a:defRPr>
+            </a:lvl6pPr>
+            <a:lvl7pPr marL="143992" indent="-143992" algn="l" defTabSz="914354" rtl="0" eaLnBrk="1" latinLnBrk="0" hangingPunct="1">
+              <a:lnSpc>
+                <a:spcPts val="1500"/>
+              </a:lnSpc>
+              <a:spcBef>
+                <a:spcPts val="0"/>
+              </a:spcBef>
+              <a:spcAft>
+                <a:spcPts val="1000"/>
+              </a:spcAft>
+              <a:buFont typeface="Arial" panose="020B0604020202020204" pitchFamily="34" charset="0"/>
+              <a:buChar char="•"/>
+              <a:defRPr sz="1200" kern="1200">
+                <a:solidFill>
+                  <a:schemeClr val="tx1"/>
+                </a:solidFill>
+                <a:latin typeface="+mn-lt"/>
+                <a:ea typeface="+mn-ea"/>
+                <a:cs typeface="+mn-cs"/>
+              </a:defRPr>
+            </a:lvl7pPr>
+            <a:lvl8pPr marL="143992" indent="-143992" algn="l" defTabSz="914354" rtl="0" eaLnBrk="1" latinLnBrk="0" hangingPunct="1">
+              <a:lnSpc>
+                <a:spcPts val="1500"/>
+              </a:lnSpc>
+              <a:spcBef>
+                <a:spcPts val="0"/>
+              </a:spcBef>
+              <a:spcAft>
+                <a:spcPts val="1000"/>
+              </a:spcAft>
+              <a:buFont typeface="Arial" panose="020B0604020202020204" pitchFamily="34" charset="0"/>
+              <a:buChar char="•"/>
+              <a:defRPr sz="1200" kern="1200">
+                <a:solidFill>
+                  <a:schemeClr val="tx1"/>
+                </a:solidFill>
+                <a:latin typeface="+mn-lt"/>
+                <a:ea typeface="+mn-ea"/>
+                <a:cs typeface="+mn-cs"/>
+              </a:defRPr>
+            </a:lvl8pPr>
+            <a:lvl9pPr marL="143992" indent="-143992" algn="l" defTabSz="914354" rtl="0" eaLnBrk="1" latinLnBrk="0" hangingPunct="1">
+              <a:lnSpc>
+                <a:spcPts val="1500"/>
+              </a:lnSpc>
+              <a:spcBef>
+                <a:spcPts val="0"/>
+              </a:spcBef>
+              <a:spcAft>
+                <a:spcPts val="1000"/>
+              </a:spcAft>
+              <a:buFont typeface="Arial" panose="020B0604020202020204" pitchFamily="34" charset="0"/>
+              <a:buChar char="•"/>
+              <a:defRPr sz="1200" kern="1200">
+                <a:solidFill>
+                  <a:schemeClr val="tx1"/>
+                </a:solidFill>
+                <a:latin typeface="+mn-lt"/>
+                <a:ea typeface="+mn-ea"/>
+                <a:cs typeface="+mn-cs"/>
+              </a:defRPr>
+            </a:lvl9pPr>
+          </a:lstStyle>
+          <a:p>
+            <a:pPr marL="0" marR="0" lvl="0" indent="0" algn="l" defTabSz="914354" rtl="0" eaLnBrk="1" fontAlgn="auto" latinLnBrk="0" hangingPunct="1">
+              <a:lnSpc>
+                <a:spcPct val="100000"/>
+              </a:lnSpc>
+              <a:spcBef>
+                <a:spcPts val="0"/>
+              </a:spcBef>
+              <a:spcAft>
+                <a:spcPts val="2000"/>
+              </a:spcAft>
+              <a:buClrTx/>
+              <a:buSzTx/>
+              <a:buFont typeface="Arial" panose="020B0604020202020204" pitchFamily="34" charset="0"/>
+              <a:buNone/>
+              <a:tabLst/>
+              <a:defRPr/>
+            </a:pPr>
+            <a:r>
+              <a:rPr lang="en-US" dirty="0">
+                <a:solidFill>
+                  <a:srgbClr val="222C39"/>
+                </a:solidFill>
+                <a:latin typeface="Roboto Light"/>
+              </a:rPr>
+              <a:t>Possible next steps / Discussion</a:t>
+            </a:r>
+            <a:endParaRPr kumimoji="0" lang="en-US" sz="2600" b="0" i="0" u="none" strike="noStrike" kern="1200" cap="none" spc="0" normalizeH="0" baseline="0" noProof="0" dirty="0">
+              <a:ln>
+                <a:noFill/>
+              </a:ln>
+              <a:solidFill>
+                <a:srgbClr val="222C39"/>
+              </a:solidFill>
+              <a:effectLst/>
+              <a:uLnTx/>
+              <a:uFillTx/>
+              <a:latin typeface="Roboto Light"/>
+              <a:ea typeface="+mn-ea"/>
+              <a:cs typeface="+mn-cs"/>
+            </a:endParaRPr>
+          </a:p>
+        </p:txBody>
+      </p:sp>
+      <p:sp>
+        <p:nvSpPr>
+          <p:cNvPr id="9" name="Text Placeholder 5">
+            <a:extLst>
+              <a:ext uri="{FF2B5EF4-FFF2-40B4-BE49-F238E27FC236}">
+                <a16:creationId xmlns:a16="http://schemas.microsoft.com/office/drawing/2014/main" id="{22F55D7B-4EEB-90ED-92A5-E70E8F5F41EF}"/>
+              </a:ext>
+            </a:extLst>
+          </p:cNvPr>
+          <p:cNvSpPr txBox="1">
+            <a:spLocks/>
+          </p:cNvSpPr>
+          <p:nvPr/>
+        </p:nvSpPr>
+        <p:spPr>
+          <a:xfrm>
+            <a:off x="803276" y="337979"/>
+            <a:ext cx="10573957" cy="246221"/>
+          </a:xfrm>
+          <a:prstGeom prst="rect">
+            <a:avLst/>
+          </a:prstGeom>
+        </p:spPr>
+        <p:txBody>
+          <a:bodyPr vert="horz" lIns="0" tIns="0" rIns="0" bIns="0" rtlCol="0" anchor="t" anchorCtr="0">
+            <a:normAutofit/>
+          </a:bodyPr>
+          <a:lstStyle>
+            <a:lvl1pPr marL="0" indent="0" algn="l" defTabSz="914354" rtl="0" eaLnBrk="1" latinLnBrk="0" hangingPunct="1">
+              <a:lnSpc>
+                <a:spcPct val="100000"/>
+              </a:lnSpc>
+              <a:spcBef>
+                <a:spcPts val="0"/>
+              </a:spcBef>
+              <a:spcAft>
+                <a:spcPts val="2000"/>
+              </a:spcAft>
+              <a:buFont typeface="Arial" panose="020B0604020202020204" pitchFamily="34" charset="0"/>
+              <a:buNone/>
+              <a:defRPr sz="1600" b="1" i="0" kern="1200">
+                <a:solidFill>
+                  <a:schemeClr val="tx2"/>
+                </a:solidFill>
+                <a:latin typeface="+mj-lt"/>
+                <a:ea typeface="+mn-ea"/>
+                <a:cs typeface="+mn-cs"/>
+              </a:defRPr>
+            </a:lvl1pPr>
+            <a:lvl2pPr marL="143992" indent="0" algn="l" defTabSz="914354" rtl="0" eaLnBrk="1" latinLnBrk="0" hangingPunct="1">
+              <a:lnSpc>
+                <a:spcPct val="100000"/>
+              </a:lnSpc>
+              <a:spcBef>
+                <a:spcPts val="0"/>
+              </a:spcBef>
+              <a:spcAft>
+                <a:spcPts val="0"/>
+              </a:spcAft>
+              <a:buFont typeface="Arial" panose="020B0604020202020204" pitchFamily="34" charset="0"/>
+              <a:buNone/>
+              <a:defRPr sz="1200" kern="1200">
+                <a:solidFill>
+                  <a:schemeClr val="tx2"/>
+                </a:solidFill>
+                <a:latin typeface="+mn-lt"/>
+                <a:ea typeface="+mn-ea"/>
+                <a:cs typeface="+mn-cs"/>
+              </a:defRPr>
+            </a:lvl2pPr>
+            <a:lvl3pPr marL="143992" indent="0" algn="l" defTabSz="914354" rtl="0" eaLnBrk="1" latinLnBrk="0" hangingPunct="1">
+              <a:lnSpc>
+                <a:spcPct val="100000"/>
+              </a:lnSpc>
+              <a:spcBef>
+                <a:spcPts val="0"/>
+              </a:spcBef>
+              <a:spcAft>
+                <a:spcPts val="0"/>
+              </a:spcAft>
+              <a:buFont typeface="Arial" panose="020B0604020202020204" pitchFamily="34" charset="0"/>
+              <a:buNone/>
+              <a:defRPr sz="1200" kern="1200">
+                <a:solidFill>
+                  <a:schemeClr val="tx2"/>
+                </a:solidFill>
+                <a:latin typeface="+mn-lt"/>
+                <a:ea typeface="+mn-ea"/>
+                <a:cs typeface="+mn-cs"/>
+              </a:defRPr>
+            </a:lvl3pPr>
+            <a:lvl4pPr marL="143992" indent="0" algn="l" defTabSz="914354" rtl="0" eaLnBrk="1" latinLnBrk="0" hangingPunct="1">
+              <a:lnSpc>
+                <a:spcPct val="100000"/>
+              </a:lnSpc>
+              <a:spcBef>
+                <a:spcPts val="0"/>
+              </a:spcBef>
+              <a:spcAft>
+                <a:spcPts val="0"/>
+              </a:spcAft>
+              <a:buFont typeface="Arial" panose="020B0604020202020204" pitchFamily="34" charset="0"/>
+              <a:buNone/>
+              <a:defRPr sz="1200" kern="1200">
+                <a:solidFill>
+                  <a:schemeClr val="tx2"/>
+                </a:solidFill>
+                <a:latin typeface="+mn-lt"/>
+                <a:ea typeface="+mn-ea"/>
+                <a:cs typeface="+mn-cs"/>
+              </a:defRPr>
+            </a:lvl4pPr>
+            <a:lvl5pPr marL="143992" indent="0" algn="l" defTabSz="914354" rtl="0" eaLnBrk="1" latinLnBrk="0" hangingPunct="1">
+              <a:lnSpc>
+                <a:spcPct val="100000"/>
+              </a:lnSpc>
+              <a:spcBef>
+                <a:spcPts val="0"/>
+              </a:spcBef>
+              <a:spcAft>
+                <a:spcPts val="0"/>
+              </a:spcAft>
+              <a:buFont typeface="Arial" panose="020B0604020202020204" pitchFamily="34" charset="0"/>
+              <a:buNone/>
+              <a:defRPr sz="1200" kern="1200">
+                <a:solidFill>
+                  <a:schemeClr val="tx2"/>
+                </a:solidFill>
+                <a:latin typeface="+mn-lt"/>
+                <a:ea typeface="+mn-ea"/>
+                <a:cs typeface="+mn-cs"/>
+              </a:defRPr>
+            </a:lvl5pPr>
+            <a:lvl6pPr marL="143992" indent="-143992" algn="l" defTabSz="914354" rtl="0" eaLnBrk="1" latinLnBrk="0" hangingPunct="1">
+              <a:lnSpc>
+                <a:spcPts val="1500"/>
+              </a:lnSpc>
+              <a:spcBef>
+                <a:spcPts val="0"/>
+              </a:spcBef>
+              <a:spcAft>
+                <a:spcPts val="1000"/>
+              </a:spcAft>
+              <a:buFont typeface="Arial" panose="020B0604020202020204" pitchFamily="34" charset="0"/>
+              <a:buChar char="•"/>
+              <a:defRPr sz="1200" kern="1200">
+                <a:solidFill>
+                  <a:schemeClr val="tx1"/>
+                </a:solidFill>
+                <a:latin typeface="+mn-lt"/>
+                <a:ea typeface="+mn-ea"/>
+                <a:cs typeface="+mn-cs"/>
+              </a:defRPr>
+            </a:lvl6pPr>
+            <a:lvl7pPr marL="143992" indent="-143992" algn="l" defTabSz="914354" rtl="0" eaLnBrk="1" latinLnBrk="0" hangingPunct="1">
+              <a:lnSpc>
+                <a:spcPts val="1500"/>
+              </a:lnSpc>
+              <a:spcBef>
+                <a:spcPts val="0"/>
+              </a:spcBef>
+              <a:spcAft>
+                <a:spcPts val="1000"/>
+              </a:spcAft>
+              <a:buFont typeface="Arial" panose="020B0604020202020204" pitchFamily="34" charset="0"/>
+              <a:buChar char="•"/>
+              <a:defRPr sz="1200" kern="1200">
+                <a:solidFill>
+                  <a:schemeClr val="tx1"/>
+                </a:solidFill>
+                <a:latin typeface="+mn-lt"/>
+                <a:ea typeface="+mn-ea"/>
+                <a:cs typeface="+mn-cs"/>
+              </a:defRPr>
+            </a:lvl7pPr>
+            <a:lvl8pPr marL="143992" indent="-143992" algn="l" defTabSz="914354" rtl="0" eaLnBrk="1" latinLnBrk="0" hangingPunct="1">
+              <a:lnSpc>
+                <a:spcPts val="1500"/>
+              </a:lnSpc>
+              <a:spcBef>
+                <a:spcPts val="0"/>
+              </a:spcBef>
+              <a:spcAft>
+                <a:spcPts val="1000"/>
+              </a:spcAft>
+              <a:buFont typeface="Arial" panose="020B0604020202020204" pitchFamily="34" charset="0"/>
+              <a:buChar char="•"/>
+              <a:defRPr sz="1200" kern="1200">
+                <a:solidFill>
+                  <a:schemeClr val="tx1"/>
+                </a:solidFill>
+                <a:latin typeface="+mn-lt"/>
+                <a:ea typeface="+mn-ea"/>
+                <a:cs typeface="+mn-cs"/>
+              </a:defRPr>
+            </a:lvl8pPr>
+            <a:lvl9pPr marL="143992" indent="-143992" algn="l" defTabSz="914354" rtl="0" eaLnBrk="1" latinLnBrk="0" hangingPunct="1">
+              <a:lnSpc>
+                <a:spcPts val="1500"/>
+              </a:lnSpc>
+              <a:spcBef>
+                <a:spcPts val="0"/>
+              </a:spcBef>
+              <a:spcAft>
+                <a:spcPts val="1000"/>
+              </a:spcAft>
+              <a:buFont typeface="Arial" panose="020B0604020202020204" pitchFamily="34" charset="0"/>
+              <a:buChar char="•"/>
+              <a:defRPr sz="1200" kern="1200">
+                <a:solidFill>
+                  <a:schemeClr val="tx1"/>
+                </a:solidFill>
+                <a:latin typeface="+mn-lt"/>
+                <a:ea typeface="+mn-ea"/>
+                <a:cs typeface="+mn-cs"/>
+              </a:defRPr>
+            </a:lvl9pPr>
+          </a:lstStyle>
+          <a:p>
+            <a:pPr marL="0" marR="0" lvl="0" indent="0" algn="l" defTabSz="914354" rtl="0" eaLnBrk="1" fontAlgn="auto" latinLnBrk="0" hangingPunct="1">
+              <a:lnSpc>
+                <a:spcPct val="100000"/>
+              </a:lnSpc>
+              <a:spcBef>
+                <a:spcPts val="0"/>
+              </a:spcBef>
+              <a:spcAft>
+                <a:spcPts val="2000"/>
+              </a:spcAft>
+              <a:buClrTx/>
+              <a:buSzTx/>
+              <a:buFont typeface="Arial" panose="020B0604020202020204" pitchFamily="34" charset="0"/>
+              <a:buNone/>
+              <a:tabLst/>
+              <a:defRPr/>
+            </a:pPr>
+            <a:r>
+              <a:rPr kumimoji="0" lang="en-US" sz="1600" b="1" i="0" u="none" strike="noStrike" kern="1200" cap="none" spc="0" normalizeH="0" baseline="0" noProof="0" dirty="0">
+                <a:ln>
+                  <a:noFill/>
+                </a:ln>
+                <a:solidFill>
+                  <a:srgbClr val="222C39"/>
+                </a:solidFill>
+                <a:effectLst/>
+                <a:uLnTx/>
+                <a:uFillTx/>
+                <a:latin typeface="Roboto"/>
+                <a:ea typeface="+mn-ea"/>
+                <a:cs typeface="+mn-cs"/>
+              </a:rPr>
+              <a:t>Approach</a:t>
+            </a:r>
+          </a:p>
+        </p:txBody>
+      </p:sp>
+      <p:sp>
+        <p:nvSpPr>
+          <p:cNvPr id="5" name="TextBox 4">
+            <a:extLst>
+              <a:ext uri="{FF2B5EF4-FFF2-40B4-BE49-F238E27FC236}">
+                <a16:creationId xmlns:a16="http://schemas.microsoft.com/office/drawing/2014/main" id="{D50AA6A3-AE5D-6081-B99A-2A9E8C9408EE}"/>
+              </a:ext>
+            </a:extLst>
+          </p:cNvPr>
+          <p:cNvSpPr txBox="1"/>
+          <p:nvPr/>
+        </p:nvSpPr>
+        <p:spPr>
+          <a:xfrm>
+            <a:off x="803276" y="1351724"/>
+            <a:ext cx="10849294" cy="2031325"/>
+          </a:xfrm>
+          <a:prstGeom prst="rect">
+            <a:avLst/>
+          </a:prstGeom>
+          <a:noFill/>
+        </p:spPr>
+        <p:txBody>
+          <a:bodyPr wrap="square">
+            <a:spAutoFit/>
+          </a:bodyPr>
+          <a:lstStyle/>
+          <a:p>
+            <a:r>
+              <a:rPr lang="en-IN" dirty="0">
+                <a:latin typeface="Roboto" panose="02000000000000000000" pitchFamily="2" charset="0"/>
+                <a:ea typeface="Roboto" panose="02000000000000000000" pitchFamily="2" charset="0"/>
+                <a:cs typeface="Roboto" panose="02000000000000000000" pitchFamily="2" charset="0"/>
+              </a:rPr>
+              <a:t>Can give more exploitation recommendations from different regions in design space.</a:t>
+            </a:r>
+          </a:p>
+          <a:p>
+            <a:endParaRPr lang="en-IN" dirty="0">
+              <a:latin typeface="Roboto" panose="02000000000000000000" pitchFamily="2" charset="0"/>
+              <a:ea typeface="Roboto" panose="02000000000000000000" pitchFamily="2" charset="0"/>
+              <a:cs typeface="Roboto" panose="02000000000000000000" pitchFamily="2" charset="0"/>
+            </a:endParaRPr>
+          </a:p>
+          <a:p>
+            <a:r>
+              <a:rPr lang="en-IN" dirty="0">
+                <a:latin typeface="Roboto" panose="02000000000000000000" pitchFamily="2" charset="0"/>
+                <a:ea typeface="Roboto" panose="02000000000000000000" pitchFamily="2" charset="0"/>
+                <a:cs typeface="Roboto" panose="02000000000000000000" pitchFamily="2" charset="0"/>
+              </a:rPr>
+              <a:t>We can engineer a metric to select optimal points (to balance this exploration exploitation strategy), some options could be</a:t>
+            </a:r>
+          </a:p>
+          <a:p>
+            <a:r>
+              <a:rPr lang="en-IN" dirty="0">
+                <a:latin typeface="Roboto" panose="02000000000000000000" pitchFamily="2" charset="0"/>
+                <a:ea typeface="Roboto" panose="02000000000000000000" pitchFamily="2" charset="0"/>
+                <a:cs typeface="Roboto" panose="02000000000000000000" pitchFamily="2" charset="0"/>
+              </a:rPr>
+              <a:t>	- Promote diversity in feature space and best predicted values</a:t>
+            </a:r>
+          </a:p>
+          <a:p>
+            <a:r>
+              <a:rPr lang="en-IN" dirty="0">
+                <a:latin typeface="Roboto" panose="02000000000000000000" pitchFamily="2" charset="0"/>
+                <a:ea typeface="Roboto" panose="02000000000000000000" pitchFamily="2" charset="0"/>
+                <a:cs typeface="Roboto" panose="02000000000000000000" pitchFamily="2" charset="0"/>
+              </a:rPr>
+              <a:t>	- Most uncertain (most unexplored region)</a:t>
+            </a:r>
+          </a:p>
+          <a:p>
+            <a:r>
+              <a:rPr lang="en-IN" dirty="0">
+                <a:latin typeface="Roboto" panose="02000000000000000000" pitchFamily="2" charset="0"/>
+                <a:ea typeface="Roboto" panose="02000000000000000000" pitchFamily="2" charset="0"/>
+                <a:cs typeface="Roboto" panose="02000000000000000000" pitchFamily="2" charset="0"/>
+              </a:rPr>
+              <a:t>	- Bayesian optimisation (Expected improvement)</a:t>
+            </a:r>
+          </a:p>
+        </p:txBody>
+      </p:sp>
+    </p:spTree>
+    <p:extLst>
+      <p:ext uri="{BB962C8B-B14F-4D97-AF65-F5344CB8AC3E}">
+        <p14:creationId xmlns:p14="http://schemas.microsoft.com/office/powerpoint/2010/main" val="315653311"/>
+      </p:ext>
+    </p:extLst>
+  </p:cSld>
+  <p:clrMapOvr>
+    <a:masterClrMapping/>
+  </p:clrMapOvr>
+</p:sld>
+</file>
+
 <file path=ppt/theme/theme1.xml><?xml version="1.0" encoding="utf-8"?>
 <a:theme xmlns:a="http://schemas.openxmlformats.org/drawingml/2006/main" name="Office Theme">
   <a:themeElements>

--- a/outputs/Final Deliverables.pptx
+++ b/outputs/Final Deliverables.pptx
@@ -3548,7 +3548,7 @@
           <a:p>
             <a:fld id="{7B53714C-EB9D-4414-B15B-CB3CC2BB34E4}" type="datetimeFigureOut">
               <a:rPr lang="en-IN" smtClean="0"/>
-              <a:t>18-02-2026</a:t>
+              <a:t>19-02-2026</a:t>
             </a:fld>
             <a:endParaRPr lang="en-IN"/>
           </a:p>
@@ -4481,7 +4481,7 @@
           <a:p>
             <a:fld id="{F643EDFF-7427-45C4-9B36-95BD80D4DD61}" type="datetimeFigureOut">
               <a:rPr lang="en-IN" smtClean="0"/>
-              <a:t>18-02-2026</a:t>
+              <a:t>19-02-2026</a:t>
             </a:fld>
             <a:endParaRPr lang="en-IN"/>
           </a:p>
@@ -4681,7 +4681,7 @@
           <a:p>
             <a:fld id="{F643EDFF-7427-45C4-9B36-95BD80D4DD61}" type="datetimeFigureOut">
               <a:rPr lang="en-IN" smtClean="0"/>
-              <a:t>18-02-2026</a:t>
+              <a:t>19-02-2026</a:t>
             </a:fld>
             <a:endParaRPr lang="en-IN"/>
           </a:p>
@@ -4891,7 +4891,7 @@
           <a:p>
             <a:fld id="{F643EDFF-7427-45C4-9B36-95BD80D4DD61}" type="datetimeFigureOut">
               <a:rPr lang="en-IN" smtClean="0"/>
-              <a:t>18-02-2026</a:t>
+              <a:t>19-02-2026</a:t>
             </a:fld>
             <a:endParaRPr lang="en-IN"/>
           </a:p>
@@ -5091,7 +5091,7 @@
           <a:p>
             <a:fld id="{F643EDFF-7427-45C4-9B36-95BD80D4DD61}" type="datetimeFigureOut">
               <a:rPr lang="en-IN" smtClean="0"/>
-              <a:t>18-02-2026</a:t>
+              <a:t>19-02-2026</a:t>
             </a:fld>
             <a:endParaRPr lang="en-IN"/>
           </a:p>
@@ -5367,7 +5367,7 @@
           <a:p>
             <a:fld id="{F643EDFF-7427-45C4-9B36-95BD80D4DD61}" type="datetimeFigureOut">
               <a:rPr lang="en-IN" smtClean="0"/>
-              <a:t>18-02-2026</a:t>
+              <a:t>19-02-2026</a:t>
             </a:fld>
             <a:endParaRPr lang="en-IN"/>
           </a:p>
@@ -5635,7 +5635,7 @@
           <a:p>
             <a:fld id="{F643EDFF-7427-45C4-9B36-95BD80D4DD61}" type="datetimeFigureOut">
               <a:rPr lang="en-IN" smtClean="0"/>
-              <a:t>18-02-2026</a:t>
+              <a:t>19-02-2026</a:t>
             </a:fld>
             <a:endParaRPr lang="en-IN"/>
           </a:p>
@@ -6050,7 +6050,7 @@
           <a:p>
             <a:fld id="{F643EDFF-7427-45C4-9B36-95BD80D4DD61}" type="datetimeFigureOut">
               <a:rPr lang="en-IN" smtClean="0"/>
-              <a:t>18-02-2026</a:t>
+              <a:t>19-02-2026</a:t>
             </a:fld>
             <a:endParaRPr lang="en-IN"/>
           </a:p>
@@ -6192,7 +6192,7 @@
           <a:p>
             <a:fld id="{F643EDFF-7427-45C4-9B36-95BD80D4DD61}" type="datetimeFigureOut">
               <a:rPr lang="en-IN" smtClean="0"/>
-              <a:t>18-02-2026</a:t>
+              <a:t>19-02-2026</a:t>
             </a:fld>
             <a:endParaRPr lang="en-IN"/>
           </a:p>
@@ -6305,7 +6305,7 @@
           <a:p>
             <a:fld id="{F643EDFF-7427-45C4-9B36-95BD80D4DD61}" type="datetimeFigureOut">
               <a:rPr lang="en-IN" smtClean="0"/>
-              <a:t>18-02-2026</a:t>
+              <a:t>19-02-2026</a:t>
             </a:fld>
             <a:endParaRPr lang="en-IN"/>
           </a:p>
@@ -6618,7 +6618,7 @@
           <a:p>
             <a:fld id="{F643EDFF-7427-45C4-9B36-95BD80D4DD61}" type="datetimeFigureOut">
               <a:rPr lang="en-IN" smtClean="0"/>
-              <a:t>18-02-2026</a:t>
+              <a:t>19-02-2026</a:t>
             </a:fld>
             <a:endParaRPr lang="en-IN"/>
           </a:p>
@@ -6907,7 +6907,7 @@
           <a:p>
             <a:fld id="{F643EDFF-7427-45C4-9B36-95BD80D4DD61}" type="datetimeFigureOut">
               <a:rPr lang="en-IN" smtClean="0"/>
-              <a:t>18-02-2026</a:t>
+              <a:t>19-02-2026</a:t>
             </a:fld>
             <a:endParaRPr lang="en-IN"/>
           </a:p>
@@ -7150,7 +7150,7 @@
           <a:p>
             <a:fld id="{F643EDFF-7427-45C4-9B36-95BD80D4DD61}" type="datetimeFigureOut">
               <a:rPr lang="en-IN" smtClean="0"/>
-              <a:t>18-02-2026</a:t>
+              <a:t>19-02-2026</a:t>
             </a:fld>
             <a:endParaRPr lang="en-IN"/>
           </a:p>
@@ -13865,10 +13865,18 @@
                 <a:ea typeface="Roboto Light" panose="02000000000000000000" pitchFamily="2" charset="0"/>
                 <a:cs typeface="Roboto Light" panose="02000000000000000000" pitchFamily="2" charset="0"/>
               </a:rPr>
-              <a:t>The sensitivity analysis helped us identify and quantify each feature’s individual impact by averaging out the effects of all other features. (Helps in answering “</a:t>
+              <a:t>The sensitivity analysis helped us identify and quantify each feature’s individual impact by averaging out the effects of all other features</a:t>
             </a:r>
             <a:r>
-              <a:rPr lang="en-IN" sz="1600" dirty="0">
+              <a:rPr lang="en-US" sz="1600" b="1" dirty="0">
+                <a:latin typeface="Roboto Light" panose="02000000000000000000" pitchFamily="2" charset="0"/>
+                <a:ea typeface="Roboto Light" panose="02000000000000000000" pitchFamily="2" charset="0"/>
+                <a:cs typeface="Roboto Light" panose="02000000000000000000" pitchFamily="2" charset="0"/>
+              </a:rPr>
+              <a:t>. (Helps in answering “</a:t>
+            </a:r>
+            <a:r>
+              <a:rPr lang="en-IN" sz="1600" b="1" dirty="0">
                 <a:latin typeface="Roboto Light" panose="02000000000000000000" pitchFamily="2" charset="0"/>
                 <a:ea typeface="Roboto Light" panose="02000000000000000000" pitchFamily="2" charset="0"/>
                 <a:cs typeface="Roboto Light" panose="02000000000000000000" pitchFamily="2" charset="0"/>
@@ -13876,14 +13884,14 @@
               <a:t>cookie-based sweets”</a:t>
             </a:r>
             <a:r>
-              <a:rPr lang="en-US" sz="1600" dirty="0">
+              <a:rPr lang="en-US" sz="1600" b="1" dirty="0">
                 <a:latin typeface="Roboto Light" panose="02000000000000000000" pitchFamily="2" charset="0"/>
                 <a:ea typeface="Roboto Light" panose="02000000000000000000" pitchFamily="2" charset="0"/>
                 <a:cs typeface="Roboto Light" panose="02000000000000000000" pitchFamily="2" charset="0"/>
               </a:rPr>
               <a:t> or “cookie”? type questions).</a:t>
             </a:r>
-            <a:endParaRPr lang="en-IN" sz="1600" dirty="0">
+            <a:endParaRPr lang="en-IN" sz="1600" b="1" dirty="0">
               <a:latin typeface="Roboto Light" panose="02000000000000000000" pitchFamily="2" charset="0"/>
               <a:ea typeface="Roboto Light" panose="02000000000000000000" pitchFamily="2" charset="0"/>
               <a:cs typeface="Roboto Light" panose="02000000000000000000" pitchFamily="2" charset="0"/>
@@ -15289,7 +15297,7 @@
         <p:spPr>
           <a:xfrm>
             <a:off x="803276" y="1351724"/>
-            <a:ext cx="10849294" cy="2031325"/>
+            <a:ext cx="5841364" cy="4524315"/>
           </a:xfrm>
           <a:prstGeom prst="rect">
             <a:avLst/>
@@ -15304,62 +15312,165 @@
           <a:p>
             <a:r>
               <a:rPr lang="en-IN" dirty="0">
-                <a:latin typeface="Roboto" panose="02000000000000000000" pitchFamily="2" charset="0"/>
-                <a:ea typeface="Roboto" panose="02000000000000000000" pitchFamily="2" charset="0"/>
-                <a:cs typeface="Roboto" panose="02000000000000000000" pitchFamily="2" charset="0"/>
+                <a:latin typeface="Roboto Light" panose="02000000000000000000" pitchFamily="2" charset="0"/>
+                <a:ea typeface="Roboto Light" panose="02000000000000000000" pitchFamily="2" charset="0"/>
+                <a:cs typeface="Roboto Light" panose="02000000000000000000" pitchFamily="2" charset="0"/>
               </a:rPr>
               <a:t>Can give more exploitation recommendations from different regions in design space.</a:t>
             </a:r>
           </a:p>
           <a:p>
             <a:endParaRPr lang="en-IN" dirty="0">
-              <a:latin typeface="Roboto" panose="02000000000000000000" pitchFamily="2" charset="0"/>
-              <a:ea typeface="Roboto" panose="02000000000000000000" pitchFamily="2" charset="0"/>
-              <a:cs typeface="Roboto" panose="02000000000000000000" pitchFamily="2" charset="0"/>
+              <a:latin typeface="Roboto Light" panose="02000000000000000000" pitchFamily="2" charset="0"/>
+              <a:ea typeface="Roboto Light" panose="02000000000000000000" pitchFamily="2" charset="0"/>
+              <a:cs typeface="Roboto Light" panose="02000000000000000000" pitchFamily="2" charset="0"/>
             </a:endParaRPr>
           </a:p>
           <a:p>
             <a:r>
               <a:rPr lang="en-IN" dirty="0">
-                <a:latin typeface="Roboto" panose="02000000000000000000" pitchFamily="2" charset="0"/>
-                <a:ea typeface="Roboto" panose="02000000000000000000" pitchFamily="2" charset="0"/>
-                <a:cs typeface="Roboto" panose="02000000000000000000" pitchFamily="2" charset="0"/>
+                <a:latin typeface="Roboto Light" panose="02000000000000000000" pitchFamily="2" charset="0"/>
+                <a:ea typeface="Roboto Light" panose="02000000000000000000" pitchFamily="2" charset="0"/>
+                <a:cs typeface="Roboto Light" panose="02000000000000000000" pitchFamily="2" charset="0"/>
               </a:rPr>
-              <a:t>We can engineer a metric to select optimal points (to balance this exploration exploitation strategy), some options could be</a:t>
+              <a:t>We can engineer a metric to select optimal points (to balance this exploration exploitation strategy), some options could be -</a:t>
             </a:r>
           </a:p>
           <a:p>
+            <a:pPr marL="285750" indent="-285750">
+              <a:buFont typeface="Arial" panose="020B0604020202020204" pitchFamily="34" charset="0"/>
+              <a:buChar char="•"/>
+            </a:pPr>
             <a:r>
               <a:rPr lang="en-IN" dirty="0">
-                <a:latin typeface="Roboto" panose="02000000000000000000" pitchFamily="2" charset="0"/>
-                <a:ea typeface="Roboto" panose="02000000000000000000" pitchFamily="2" charset="0"/>
-                <a:cs typeface="Roboto" panose="02000000000000000000" pitchFamily="2" charset="0"/>
+                <a:latin typeface="Roboto Light" panose="02000000000000000000" pitchFamily="2" charset="0"/>
+                <a:ea typeface="Roboto Light" panose="02000000000000000000" pitchFamily="2" charset="0"/>
+                <a:cs typeface="Roboto Light" panose="02000000000000000000" pitchFamily="2" charset="0"/>
               </a:rPr>
-              <a:t>	- Promote diversity in feature space and best predicted values</a:t>
+              <a:t>Promote diversity in feature space and best predicted values</a:t>
             </a:r>
           </a:p>
           <a:p>
+            <a:pPr marL="285750" indent="-285750">
+              <a:buFont typeface="Arial" panose="020B0604020202020204" pitchFamily="34" charset="0"/>
+              <a:buChar char="•"/>
+            </a:pPr>
             <a:r>
               <a:rPr lang="en-IN" dirty="0">
-                <a:latin typeface="Roboto" panose="02000000000000000000" pitchFamily="2" charset="0"/>
-                <a:ea typeface="Roboto" panose="02000000000000000000" pitchFamily="2" charset="0"/>
-                <a:cs typeface="Roboto" panose="02000000000000000000" pitchFamily="2" charset="0"/>
+                <a:latin typeface="Roboto Light" panose="02000000000000000000" pitchFamily="2" charset="0"/>
+                <a:ea typeface="Roboto Light" panose="02000000000000000000" pitchFamily="2" charset="0"/>
+                <a:cs typeface="Roboto Light" panose="02000000000000000000" pitchFamily="2" charset="0"/>
               </a:rPr>
-              <a:t>	- Most uncertain (most unexplored region)</a:t>
+              <a:t>Most uncertain (most unexplored region)</a:t>
             </a:r>
           </a:p>
           <a:p>
+            <a:pPr marL="285750" indent="-285750">
+              <a:buFont typeface="Arial" panose="020B0604020202020204" pitchFamily="34" charset="0"/>
+              <a:buChar char="•"/>
+            </a:pPr>
             <a:r>
               <a:rPr lang="en-IN" dirty="0">
-                <a:latin typeface="Roboto" panose="02000000000000000000" pitchFamily="2" charset="0"/>
-                <a:ea typeface="Roboto" panose="02000000000000000000" pitchFamily="2" charset="0"/>
-                <a:cs typeface="Roboto" panose="02000000000000000000" pitchFamily="2" charset="0"/>
+                <a:latin typeface="Roboto Light" panose="02000000000000000000" pitchFamily="2" charset="0"/>
+                <a:ea typeface="Roboto Light" panose="02000000000000000000" pitchFamily="2" charset="0"/>
+                <a:cs typeface="Roboto Light" panose="02000000000000000000" pitchFamily="2" charset="0"/>
               </a:rPr>
-              <a:t>	- Bayesian optimisation (Expected improvement)</a:t>
+              <a:t>Bayesian optimisation (Expected improvement) </a:t>
             </a:r>
+          </a:p>
+          <a:p>
+            <a:endParaRPr lang="en-IN" dirty="0">
+              <a:latin typeface="Roboto Light" panose="02000000000000000000" pitchFamily="2" charset="0"/>
+              <a:ea typeface="Roboto Light" panose="02000000000000000000" pitchFamily="2" charset="0"/>
+              <a:cs typeface="Roboto Light" panose="02000000000000000000" pitchFamily="2" charset="0"/>
+            </a:endParaRPr>
+          </a:p>
+          <a:p>
+            <a:r>
+              <a:rPr lang="en-IN" dirty="0">
+                <a:latin typeface="Roboto Light" panose="02000000000000000000" pitchFamily="2" charset="0"/>
+                <a:ea typeface="Roboto Light" panose="02000000000000000000" pitchFamily="2" charset="0"/>
+                <a:cs typeface="Roboto Light" panose="02000000000000000000" pitchFamily="2" charset="0"/>
+              </a:rPr>
+              <a:t>Dataset can be updated -</a:t>
+            </a:r>
+          </a:p>
+          <a:p>
+            <a:pPr marL="285750" indent="-285750">
+              <a:buFont typeface="Arial" panose="020B0604020202020204" pitchFamily="34" charset="0"/>
+              <a:buChar char="•"/>
+            </a:pPr>
+            <a:r>
+              <a:rPr lang="en-IN" dirty="0">
+                <a:latin typeface="Roboto Light" panose="02000000000000000000" pitchFamily="2" charset="0"/>
+                <a:ea typeface="Roboto Light" panose="02000000000000000000" pitchFamily="2" charset="0"/>
+                <a:cs typeface="Roboto Light" panose="02000000000000000000" pitchFamily="2" charset="0"/>
+              </a:rPr>
+              <a:t>Compositions rather than just Boolean flags</a:t>
+            </a:r>
+          </a:p>
+          <a:p>
+            <a:pPr marL="285750" indent="-285750">
+              <a:buFont typeface="Arial" panose="020B0604020202020204" pitchFamily="34" charset="0"/>
+              <a:buChar char="•"/>
+            </a:pPr>
+            <a:r>
+              <a:rPr lang="en-IN" dirty="0">
+                <a:latin typeface="Roboto Light" panose="02000000000000000000" pitchFamily="2" charset="0"/>
+                <a:ea typeface="Roboto Light" panose="02000000000000000000" pitchFamily="2" charset="0"/>
+                <a:cs typeface="Roboto Light" panose="02000000000000000000" pitchFamily="2" charset="0"/>
+              </a:rPr>
+              <a:t>Rather than just customer liking based on A/B test, use sales metrics.</a:t>
+            </a:r>
+          </a:p>
+          <a:p>
+            <a:endParaRPr lang="en-IN" dirty="0">
+              <a:latin typeface="Roboto Light" panose="02000000000000000000" pitchFamily="2" charset="0"/>
+              <a:ea typeface="Roboto Light" panose="02000000000000000000" pitchFamily="2" charset="0"/>
+              <a:cs typeface="Roboto Light" panose="02000000000000000000" pitchFamily="2" charset="0"/>
+            </a:endParaRPr>
           </a:p>
         </p:txBody>
       </p:sp>
+      <p:pic>
+        <p:nvPicPr>
+          <p:cNvPr id="2" name="Graphic 1" descr="Train Tracks with solid fill">
+            <a:extLst>
+              <a:ext uri="{FF2B5EF4-FFF2-40B4-BE49-F238E27FC236}">
+                <a16:creationId xmlns:a16="http://schemas.microsoft.com/office/drawing/2014/main" id="{76196827-C9C1-5F10-32E0-B424894356B9}"/>
+              </a:ext>
+            </a:extLst>
+          </p:cNvPr>
+          <p:cNvPicPr>
+            <a:picLocks noChangeAspect="1"/>
+          </p:cNvPicPr>
+          <p:nvPr/>
+        </p:nvPicPr>
+        <p:blipFill>
+          <a:blip r:embed="rId3">
+            <a:extLst>
+              <a:ext uri="{28A0092B-C50C-407E-A947-70E740481C1C}">
+                <a14:useLocalDpi xmlns:a14="http://schemas.microsoft.com/office/drawing/2010/main" val="0"/>
+              </a:ext>
+              <a:ext uri="{96DAC541-7B7A-43D3-8B79-37D633B846F1}">
+                <asvg:svgBlip xmlns:asvg="http://schemas.microsoft.com/office/drawing/2016/SVG/main" r:embed="rId4"/>
+              </a:ext>
+            </a:extLst>
+          </a:blip>
+          <a:stretch>
+            <a:fillRect/>
+          </a:stretch>
+        </p:blipFill>
+        <p:spPr>
+          <a:xfrm>
+            <a:off x="6865284" y="1142760"/>
+            <a:ext cx="4271682" cy="4271682"/>
+          </a:xfrm>
+          <a:prstGeom prst="rect">
+            <a:avLst/>
+          </a:prstGeom>
+        </p:spPr>
+      </p:pic>
     </p:spTree>
     <p:extLst>
       <p:ext uri="{BB962C8B-B14F-4D97-AF65-F5344CB8AC3E}">
